--- a/09.AJAX/JSON vs XML.pptx
+++ b/09.AJAX/JSON vs XML.pptx
@@ -2,7 +2,7 @@
 <file path=ppt/presentation.xml><?xml version="1.0" encoding="utf-8"?>
 <p:presentation xmlns:a="http://schemas.openxmlformats.org/drawingml/2006/main" xmlns:r="http://schemas.openxmlformats.org/officeDocument/2006/relationships" xmlns:p="http://schemas.openxmlformats.org/presentationml/2006/main" saveSubsetFonts="1">
   <p:sldMasterIdLst>
-    <p:sldMasterId id="2147483648" r:id="rId1"/>
+    <p:sldMasterId id="2147483678" r:id="rId1"/>
   </p:sldMasterIdLst>
   <p:sldIdLst>
     <p:sldId id="256" r:id="rId2"/>
@@ -21,7 +21,7 @@
     <a:defPPr>
       <a:defRPr lang="en-US"/>
     </a:defPPr>
-    <a:lvl1pPr marL="0" algn="l" defTabSz="914400" rtl="0" eaLnBrk="1" latinLnBrk="0" hangingPunct="1">
+    <a:lvl1pPr marL="0" algn="l" defTabSz="457200" rtl="0" eaLnBrk="1" latinLnBrk="0" hangingPunct="1">
       <a:defRPr sz="1800" kern="1200">
         <a:solidFill>
           <a:schemeClr val="tx1"/>
@@ -31,7 +31,7 @@
         <a:cs typeface="+mn-cs"/>
       </a:defRPr>
     </a:lvl1pPr>
-    <a:lvl2pPr marL="457200" algn="l" defTabSz="914400" rtl="0" eaLnBrk="1" latinLnBrk="0" hangingPunct="1">
+    <a:lvl2pPr marL="457200" algn="l" defTabSz="457200" rtl="0" eaLnBrk="1" latinLnBrk="0" hangingPunct="1">
       <a:defRPr sz="1800" kern="1200">
         <a:solidFill>
           <a:schemeClr val="tx1"/>
@@ -41,7 +41,7 @@
         <a:cs typeface="+mn-cs"/>
       </a:defRPr>
     </a:lvl2pPr>
-    <a:lvl3pPr marL="914400" algn="l" defTabSz="914400" rtl="0" eaLnBrk="1" latinLnBrk="0" hangingPunct="1">
+    <a:lvl3pPr marL="914400" algn="l" defTabSz="457200" rtl="0" eaLnBrk="1" latinLnBrk="0" hangingPunct="1">
       <a:defRPr sz="1800" kern="1200">
         <a:solidFill>
           <a:schemeClr val="tx1"/>
@@ -51,7 +51,7 @@
         <a:cs typeface="+mn-cs"/>
       </a:defRPr>
     </a:lvl3pPr>
-    <a:lvl4pPr marL="1371600" algn="l" defTabSz="914400" rtl="0" eaLnBrk="1" latinLnBrk="0" hangingPunct="1">
+    <a:lvl4pPr marL="1371600" algn="l" defTabSz="457200" rtl="0" eaLnBrk="1" latinLnBrk="0" hangingPunct="1">
       <a:defRPr sz="1800" kern="1200">
         <a:solidFill>
           <a:schemeClr val="tx1"/>
@@ -61,7 +61,7 @@
         <a:cs typeface="+mn-cs"/>
       </a:defRPr>
     </a:lvl4pPr>
-    <a:lvl5pPr marL="1828800" algn="l" defTabSz="914400" rtl="0" eaLnBrk="1" latinLnBrk="0" hangingPunct="1">
+    <a:lvl5pPr marL="1828800" algn="l" defTabSz="457200" rtl="0" eaLnBrk="1" latinLnBrk="0" hangingPunct="1">
       <a:defRPr sz="1800" kern="1200">
         <a:solidFill>
           <a:schemeClr val="tx1"/>
@@ -71,7 +71,7 @@
         <a:cs typeface="+mn-cs"/>
       </a:defRPr>
     </a:lvl5pPr>
-    <a:lvl6pPr marL="2286000" algn="l" defTabSz="914400" rtl="0" eaLnBrk="1" latinLnBrk="0" hangingPunct="1">
+    <a:lvl6pPr marL="2286000" algn="l" defTabSz="457200" rtl="0" eaLnBrk="1" latinLnBrk="0" hangingPunct="1">
       <a:defRPr sz="1800" kern="1200">
         <a:solidFill>
           <a:schemeClr val="tx1"/>
@@ -81,7 +81,7 @@
         <a:cs typeface="+mn-cs"/>
       </a:defRPr>
     </a:lvl6pPr>
-    <a:lvl7pPr marL="2743200" algn="l" defTabSz="914400" rtl="0" eaLnBrk="1" latinLnBrk="0" hangingPunct="1">
+    <a:lvl7pPr marL="2743200" algn="l" defTabSz="457200" rtl="0" eaLnBrk="1" latinLnBrk="0" hangingPunct="1">
       <a:defRPr sz="1800" kern="1200">
         <a:solidFill>
           <a:schemeClr val="tx1"/>
@@ -91,7 +91,7 @@
         <a:cs typeface="+mn-cs"/>
       </a:defRPr>
     </a:lvl7pPr>
-    <a:lvl8pPr marL="3200400" algn="l" defTabSz="914400" rtl="0" eaLnBrk="1" latinLnBrk="0" hangingPunct="1">
+    <a:lvl8pPr marL="3200400" algn="l" defTabSz="457200" rtl="0" eaLnBrk="1" latinLnBrk="0" hangingPunct="1">
       <a:defRPr sz="1800" kern="1200">
         <a:solidFill>
           <a:schemeClr val="tx1"/>
@@ -101,7 +101,7 @@
         <a:cs typeface="+mn-cs"/>
       </a:defRPr>
     </a:lvl8pPr>
-    <a:lvl9pPr marL="3657600" algn="l" defTabSz="914400" rtl="0" eaLnBrk="1" latinLnBrk="0" hangingPunct="1">
+    <a:lvl9pPr marL="3657600" algn="l" defTabSz="457200" rtl="0" eaLnBrk="1" latinLnBrk="0" hangingPunct="1">
       <a:defRPr sz="1800" kern="1200">
         <a:solidFill>
           <a:schemeClr val="tx1"/>
@@ -130,12 +130,15 @@
         </p14:section>
       </p14:sectionLst>
     </p:ext>
+    <p:ext uri="{EFAFB233-063F-42B5-8137-9DF3F51BA10A}">
+      <p15:sldGuideLst xmlns:p15="http://schemas.microsoft.com/office/powerpoint/2012/main"/>
+    </p:ext>
   </p:extLst>
 </p:presentation>
 </file>
 
 <file path=ppt/slideLayouts/slideLayout1.xml><?xml version="1.0" encoding="utf-8"?>
-<p:sldLayout xmlns:a="http://schemas.openxmlformats.org/drawingml/2006/main" xmlns:r="http://schemas.openxmlformats.org/officeDocument/2006/relationships" xmlns:p="http://schemas.openxmlformats.org/presentationml/2006/main" type="title" preserve="1">
+<p:sldLayout xmlns:a="http://schemas.openxmlformats.org/drawingml/2006/main" xmlns:r="http://schemas.openxmlformats.org/officeDocument/2006/relationships" xmlns:p="http://schemas.openxmlformats.org/presentationml/2006/main" showMasterSp="0" type="title" preserve="1">
   <p:cSld name="Title Slide">
     <p:spTree>
       <p:nvGrpSpPr>
@@ -153,33 +156,76 @@
       </p:grpSpPr>
       <p:sp>
         <p:nvSpPr>
-          <p:cNvPr id="2" name="Title 1"/>
-          <p:cNvSpPr>
-            <a:spLocks noGrp="1"/>
-          </p:cNvSpPr>
-          <p:nvPr>
-            <p:ph type="ctrTitle"/>
-          </p:nvPr>
+          <p:cNvPr id="7" name="Rectangle 6"/>
+          <p:cNvSpPr/>
+          <p:nvPr/>
         </p:nvSpPr>
         <p:spPr>
           <a:xfrm>
-            <a:off x="1524000" y="1122363"/>
-            <a:ext cx="9144000" cy="2387600"/>
+            <a:off x="-6843" y="2059012"/>
+            <a:ext cx="12195668" cy="1828800"/>
+          </a:xfrm>
+          <a:prstGeom prst="rect">
+            <a:avLst/>
+          </a:prstGeom>
+          <a:solidFill>
+            <a:schemeClr val="tx1"/>
+          </a:solidFill>
+          <a:ln>
+            <a:noFill/>
+          </a:ln>
+        </p:spPr>
+        <p:style>
+          <a:lnRef idx="2">
+            <a:schemeClr val="accent1">
+              <a:shade val="50000"/>
+            </a:schemeClr>
+          </a:lnRef>
+          <a:fillRef idx="1">
+            <a:schemeClr val="accent1"/>
+          </a:fillRef>
+          <a:effectRef idx="0">
+            <a:schemeClr val="accent1"/>
+          </a:effectRef>
+          <a:fontRef idx="minor">
+            <a:schemeClr val="lt1"/>
+          </a:fontRef>
+        </p:style>
+      </p:sp>
+      <p:sp>
+        <p:nvSpPr>
+          <p:cNvPr id="2" name="Title 1"/>
+          <p:cNvSpPr>
+            <a:spLocks noGrp="1"/>
+          </p:cNvSpPr>
+          <p:nvPr>
+            <p:ph type="ctrTitle"/>
+          </p:nvPr>
+        </p:nvSpPr>
+        <p:spPr>
+          <a:xfrm>
+            <a:off x="365759" y="2166364"/>
+            <a:ext cx="11471565" cy="1739347"/>
           </a:xfrm>
         </p:spPr>
         <p:txBody>
-          <a:bodyPr anchor="b"/>
+          <a:bodyPr tIns="45720" bIns="45720" anchor="ctr">
+            <a:normAutofit/>
+          </a:bodyPr>
           <a:lstStyle>
             <a:lvl1pPr algn="ctr">
-              <a:defRPr sz="6000"/>
+              <a:lnSpc>
+                <a:spcPct val="80000"/>
+              </a:lnSpc>
+              <a:defRPr sz="6000" spc="150" baseline="0"/>
             </a:lvl1pPr>
           </a:lstStyle>
           <a:p>
             <a:r>
-              <a:rPr lang="en-US" smtClean="0"/>
+              <a:rPr lang="en-US"/>
               <a:t>Click to edit Master title style</a:t>
             </a:r>
-            <a:endParaRPr lang="en-IN"/>
+            <a:endParaRPr lang="en-US" dirty="0"/>
           </a:p>
         </p:txBody>
       </p:sp>
@@ -195,16 +241,18 @@
         </p:nvSpPr>
         <p:spPr>
           <a:xfrm>
-            <a:off x="1524000" y="3602038"/>
-            <a:ext cx="9144000" cy="1655762"/>
+            <a:off x="1524000" y="3996250"/>
+            <a:ext cx="9144000" cy="1309255"/>
           </a:xfrm>
         </p:spPr>
         <p:txBody>
-          <a:bodyPr/>
+          <a:bodyPr>
+            <a:normAutofit/>
+          </a:bodyPr>
           <a:lstStyle>
             <a:lvl1pPr marL="0" indent="0" algn="ctr">
               <a:buNone/>
-              <a:defRPr sz="2400"/>
+              <a:defRPr sz="2000"/>
             </a:lvl1pPr>
             <a:lvl2pPr marL="457200" indent="0" algn="ctr">
               <a:buNone/>
@@ -212,39 +260,39 @@
             </a:lvl2pPr>
             <a:lvl3pPr marL="914400" indent="0" algn="ctr">
               <a:buNone/>
-              <a:defRPr sz="1800"/>
+              <a:defRPr sz="2000"/>
             </a:lvl3pPr>
             <a:lvl4pPr marL="1371600" indent="0" algn="ctr">
               <a:buNone/>
-              <a:defRPr sz="1600"/>
+              <a:defRPr sz="2000"/>
             </a:lvl4pPr>
             <a:lvl5pPr marL="1828800" indent="0" algn="ctr">
               <a:buNone/>
-              <a:defRPr sz="1600"/>
+              <a:defRPr sz="2000"/>
             </a:lvl5pPr>
             <a:lvl6pPr marL="2286000" indent="0" algn="ctr">
               <a:buNone/>
-              <a:defRPr sz="1600"/>
+              <a:defRPr sz="2000"/>
             </a:lvl6pPr>
             <a:lvl7pPr marL="2743200" indent="0" algn="ctr">
               <a:buNone/>
-              <a:defRPr sz="1600"/>
+              <a:defRPr sz="2000"/>
             </a:lvl7pPr>
             <a:lvl8pPr marL="3200400" indent="0" algn="ctr">
               <a:buNone/>
-              <a:defRPr sz="1600"/>
+              <a:defRPr sz="2000"/>
             </a:lvl8pPr>
             <a:lvl9pPr marL="3657600" indent="0" algn="ctr">
               <a:buNone/>
-              <a:defRPr sz="1600"/>
+              <a:defRPr sz="2000"/>
             </a:lvl9pPr>
           </a:lstStyle>
           <a:p>
             <a:r>
-              <a:rPr lang="en-US" smtClean="0"/>
+              <a:rPr lang="en-US"/>
               <a:t>Click to edit Master subtitle style</a:t>
             </a:r>
-            <a:endParaRPr lang="en-IN"/>
+            <a:endParaRPr lang="en-US" dirty="0"/>
           </a:p>
         </p:txBody>
       </p:sp>
@@ -265,7 +313,7 @@
           <a:p>
             <a:fld id="{BEF24578-C6E4-45D1-B38A-AA40C59657BA}" type="datetimeFigureOut">
               <a:rPr lang="en-IN" smtClean="0"/>
-              <a:t>22-04-2021</a:t>
+              <a:t>25-04-2021</a:t>
             </a:fld>
             <a:endParaRPr lang="en-IN"/>
           </a:p>
@@ -316,7 +364,7 @@
     </p:spTree>
     <p:extLst>
       <p:ext uri="{BB962C8B-B14F-4D97-AF65-F5344CB8AC3E}">
-        <p14:creationId xmlns:p14="http://schemas.microsoft.com/office/powerpoint/2010/main" val="1002916450"/>
+        <p14:creationId xmlns:p14="http://schemas.microsoft.com/office/powerpoint/2010/main" val="1252313958"/>
       </p:ext>
     </p:extLst>
   </p:cSld>
@@ -359,10 +407,10 @@
           <a:lstStyle/>
           <a:p>
             <a:r>
-              <a:rPr lang="en-US" smtClean="0"/>
+              <a:rPr lang="en-US"/>
               <a:t>Click to edit Master title style</a:t>
             </a:r>
-            <a:endParaRPr lang="en-IN"/>
+            <a:endParaRPr lang="en-US" dirty="0"/>
           </a:p>
         </p:txBody>
       </p:sp>
@@ -383,38 +431,38 @@
           <a:p>
             <a:pPr lvl="0"/>
             <a:r>
-              <a:rPr lang="en-US" smtClean="0"/>
-              <a:t>Edit Master text styles</a:t>
+              <a:rPr lang="en-US"/>
+              <a:t>Click to edit Master text styles</a:t>
             </a:r>
           </a:p>
           <a:p>
             <a:pPr lvl="1"/>
             <a:r>
-              <a:rPr lang="en-US" smtClean="0"/>
+              <a:rPr lang="en-US"/>
               <a:t>Second level</a:t>
             </a:r>
           </a:p>
           <a:p>
             <a:pPr lvl="2"/>
             <a:r>
-              <a:rPr lang="en-US" smtClean="0"/>
+              <a:rPr lang="en-US"/>
               <a:t>Third level</a:t>
             </a:r>
           </a:p>
           <a:p>
             <a:pPr lvl="3"/>
             <a:r>
-              <a:rPr lang="en-US" smtClean="0"/>
+              <a:rPr lang="en-US"/>
               <a:t>Fourth level</a:t>
             </a:r>
           </a:p>
           <a:p>
             <a:pPr lvl="4"/>
             <a:r>
-              <a:rPr lang="en-US" smtClean="0"/>
+              <a:rPr lang="en-US"/>
               <a:t>Fifth level</a:t>
             </a:r>
-            <a:endParaRPr lang="en-IN"/>
+            <a:endParaRPr lang="en-US" dirty="0"/>
           </a:p>
         </p:txBody>
       </p:sp>
@@ -435,7 +483,7 @@
           <a:p>
             <a:fld id="{BEF24578-C6E4-45D1-B38A-AA40C59657BA}" type="datetimeFigureOut">
               <a:rPr lang="en-IN" smtClean="0"/>
-              <a:t>22-04-2021</a:t>
+              <a:t>25-04-2021</a:t>
             </a:fld>
             <a:endParaRPr lang="en-IN"/>
           </a:p>
@@ -486,7 +534,7 @@
     </p:spTree>
     <p:extLst>
       <p:ext uri="{BB962C8B-B14F-4D97-AF65-F5344CB8AC3E}">
-        <p14:creationId xmlns:p14="http://schemas.microsoft.com/office/powerpoint/2010/main" val="3857703374"/>
+        <p14:creationId xmlns:p14="http://schemas.microsoft.com/office/powerpoint/2010/main" val="828210993"/>
       </p:ext>
     </p:extLst>
   </p:cSld>
@@ -497,7 +545,7 @@
 </file>
 
 <file path=ppt/slideLayouts/slideLayout11.xml><?xml version="1.0" encoding="utf-8"?>
-<p:sldLayout xmlns:a="http://schemas.openxmlformats.org/drawingml/2006/main" xmlns:r="http://schemas.openxmlformats.org/officeDocument/2006/relationships" xmlns:p="http://schemas.openxmlformats.org/presentationml/2006/main" type="vertTitleAndTx" preserve="1">
+<p:sldLayout xmlns:a="http://schemas.openxmlformats.org/drawingml/2006/main" xmlns:r="http://schemas.openxmlformats.org/officeDocument/2006/relationships" xmlns:p="http://schemas.openxmlformats.org/presentationml/2006/main" showMasterSp="0" type="vertTitleAndTx" preserve="1">
   <p:cSld name="Vertical Title and Text">
     <p:spTree>
       <p:nvGrpSpPr>
@@ -515,18 +563,56 @@
       </p:grpSpPr>
       <p:sp>
         <p:nvSpPr>
-          <p:cNvPr id="2" name="Vertical Title 1"/>
-          <p:cNvSpPr>
-            <a:spLocks noGrp="1"/>
-          </p:cNvSpPr>
-          <p:nvPr>
-            <p:ph type="title" orient="vert"/>
-          </p:nvPr>
+          <p:cNvPr id="7" name="Rectangle 6"/>
+          <p:cNvSpPr/>
+          <p:nvPr/>
         </p:nvSpPr>
         <p:spPr>
           <a:xfrm>
-            <a:off x="8724900" y="365125"/>
-            <a:ext cx="2628900" cy="5811838"/>
+            <a:off x="9019312" y="0"/>
+            <a:ext cx="2743200" cy="6858000"/>
+          </a:xfrm>
+          <a:prstGeom prst="rect">
+            <a:avLst/>
+          </a:prstGeom>
+          <a:solidFill>
+            <a:schemeClr val="tx1"/>
+          </a:solidFill>
+          <a:ln>
+            <a:noFill/>
+          </a:ln>
+        </p:spPr>
+        <p:style>
+          <a:lnRef idx="2">
+            <a:schemeClr val="accent1">
+              <a:shade val="50000"/>
+            </a:schemeClr>
+          </a:lnRef>
+          <a:fillRef idx="1">
+            <a:schemeClr val="accent1"/>
+          </a:fillRef>
+          <a:effectRef idx="0">
+            <a:schemeClr val="accent1"/>
+          </a:effectRef>
+          <a:fontRef idx="minor">
+            <a:schemeClr val="lt1"/>
+          </a:fontRef>
+        </p:style>
+      </p:sp>
+      <p:sp>
+        <p:nvSpPr>
+          <p:cNvPr id="2" name="Vertical Title 1"/>
+          <p:cNvSpPr>
+            <a:spLocks noGrp="1"/>
+          </p:cNvSpPr>
+          <p:nvPr>
+            <p:ph type="title" orient="vert"/>
+          </p:nvPr>
+        </p:nvSpPr>
+        <p:spPr>
+          <a:xfrm>
+            <a:off x="9160624" y="274638"/>
+            <a:ext cx="2402380" cy="5897562"/>
           </a:xfrm>
         </p:spPr>
         <p:txBody>
@@ -534,10 +620,10 @@
           <a:lstStyle/>
           <a:p>
             <a:r>
-              <a:rPr lang="en-US" smtClean="0"/>
+              <a:rPr lang="en-US"/>
               <a:t>Click to edit Master title style</a:t>
             </a:r>
-            <a:endParaRPr lang="en-IN"/>
+            <a:endParaRPr lang="en-US" dirty="0"/>
           </a:p>
         </p:txBody>
       </p:sp>
@@ -553,8 +639,8 @@
         </p:nvSpPr>
         <p:spPr>
           <a:xfrm>
-            <a:off x="838200" y="365125"/>
-            <a:ext cx="7734300" cy="5811838"/>
+            <a:off x="838199" y="274638"/>
+            <a:ext cx="7973291" cy="5897562"/>
           </a:xfrm>
         </p:spPr>
         <p:txBody>
@@ -563,38 +649,38 @@
           <a:p>
             <a:pPr lvl="0"/>
             <a:r>
-              <a:rPr lang="en-US" smtClean="0"/>
-              <a:t>Edit Master text styles</a:t>
+              <a:rPr lang="en-US"/>
+              <a:t>Click to edit Master text styles</a:t>
             </a:r>
           </a:p>
           <a:p>
             <a:pPr lvl="1"/>
             <a:r>
-              <a:rPr lang="en-US" smtClean="0"/>
+              <a:rPr lang="en-US"/>
               <a:t>Second level</a:t>
             </a:r>
           </a:p>
           <a:p>
             <a:pPr lvl="2"/>
             <a:r>
-              <a:rPr lang="en-US" smtClean="0"/>
+              <a:rPr lang="en-US"/>
               <a:t>Third level</a:t>
             </a:r>
           </a:p>
           <a:p>
             <a:pPr lvl="3"/>
             <a:r>
-              <a:rPr lang="en-US" smtClean="0"/>
+              <a:rPr lang="en-US"/>
               <a:t>Fourth level</a:t>
             </a:r>
           </a:p>
           <a:p>
             <a:pPr lvl="4"/>
             <a:r>
-              <a:rPr lang="en-US" smtClean="0"/>
+              <a:rPr lang="en-US"/>
               <a:t>Fifth level</a:t>
             </a:r>
-            <a:endParaRPr lang="en-IN"/>
+            <a:endParaRPr lang="en-US" dirty="0"/>
           </a:p>
         </p:txBody>
       </p:sp>
@@ -608,14 +694,19 @@
             <p:ph type="dt" sz="half" idx="10"/>
           </p:nvPr>
         </p:nvSpPr>
-        <p:spPr/>
+        <p:spPr>
+          <a:xfrm>
+            <a:off x="838200" y="6422854"/>
+            <a:ext cx="2743196" cy="365125"/>
+          </a:xfrm>
+        </p:spPr>
         <p:txBody>
           <a:bodyPr/>
           <a:lstStyle/>
           <a:p>
             <a:fld id="{BEF24578-C6E4-45D1-B38A-AA40C59657BA}" type="datetimeFigureOut">
               <a:rPr lang="en-IN" smtClean="0"/>
-              <a:t>22-04-2021</a:t>
+              <a:t>25-04-2021</a:t>
             </a:fld>
             <a:endParaRPr lang="en-IN"/>
           </a:p>
@@ -631,7 +722,12 @@
             <p:ph type="ftr" sz="quarter" idx="11"/>
           </p:nvPr>
         </p:nvSpPr>
-        <p:spPr/>
+        <p:spPr>
+          <a:xfrm>
+            <a:off x="3776135" y="6422854"/>
+            <a:ext cx="4279669" cy="365125"/>
+          </a:xfrm>
+        </p:spPr>
         <p:txBody>
           <a:bodyPr/>
           <a:lstStyle/>
@@ -650,7 +746,12 @@
             <p:ph type="sldNum" sz="quarter" idx="12"/>
           </p:nvPr>
         </p:nvSpPr>
-        <p:spPr/>
+        <p:spPr>
+          <a:xfrm>
+            <a:off x="8073048" y="6422854"/>
+            <a:ext cx="879759" cy="365125"/>
+          </a:xfrm>
+        </p:spPr>
         <p:txBody>
           <a:bodyPr/>
           <a:lstStyle/>
@@ -666,7 +767,7 @@
     </p:spTree>
     <p:extLst>
       <p:ext uri="{BB962C8B-B14F-4D97-AF65-F5344CB8AC3E}">
-        <p14:creationId xmlns:p14="http://schemas.microsoft.com/office/powerpoint/2010/main" val="3899790241"/>
+        <p14:creationId xmlns:p14="http://schemas.microsoft.com/office/powerpoint/2010/main" val="2451950370"/>
       </p:ext>
     </p:extLst>
   </p:cSld>
@@ -709,10 +810,10 @@
           <a:lstStyle/>
           <a:p>
             <a:r>
-              <a:rPr lang="en-US" smtClean="0"/>
+              <a:rPr lang="en-US"/>
               <a:t>Click to edit Master title style</a:t>
             </a:r>
-            <a:endParaRPr lang="en-IN"/>
+            <a:endParaRPr lang="en-US" dirty="0"/>
           </a:p>
         </p:txBody>
       </p:sp>
@@ -733,38 +834,38 @@
           <a:p>
             <a:pPr lvl="0"/>
             <a:r>
-              <a:rPr lang="en-US" smtClean="0"/>
-              <a:t>Edit Master text styles</a:t>
+              <a:rPr lang="en-US"/>
+              <a:t>Click to edit Master text styles</a:t>
             </a:r>
           </a:p>
           <a:p>
             <a:pPr lvl="1"/>
             <a:r>
-              <a:rPr lang="en-US" smtClean="0"/>
+              <a:rPr lang="en-US"/>
               <a:t>Second level</a:t>
             </a:r>
           </a:p>
           <a:p>
             <a:pPr lvl="2"/>
             <a:r>
-              <a:rPr lang="en-US" smtClean="0"/>
+              <a:rPr lang="en-US"/>
               <a:t>Third level</a:t>
             </a:r>
           </a:p>
           <a:p>
             <a:pPr lvl="3"/>
             <a:r>
-              <a:rPr lang="en-US" smtClean="0"/>
+              <a:rPr lang="en-US"/>
               <a:t>Fourth level</a:t>
             </a:r>
           </a:p>
           <a:p>
             <a:pPr lvl="4"/>
             <a:r>
-              <a:rPr lang="en-US" smtClean="0"/>
+              <a:rPr lang="en-US"/>
               <a:t>Fifth level</a:t>
             </a:r>
-            <a:endParaRPr lang="en-IN"/>
+            <a:endParaRPr lang="en-US" dirty="0"/>
           </a:p>
         </p:txBody>
       </p:sp>
@@ -785,7 +886,7 @@
           <a:p>
             <a:fld id="{BEF24578-C6E4-45D1-B38A-AA40C59657BA}" type="datetimeFigureOut">
               <a:rPr lang="en-IN" smtClean="0"/>
-              <a:t>22-04-2021</a:t>
+              <a:t>25-04-2021</a:t>
             </a:fld>
             <a:endParaRPr lang="en-IN"/>
           </a:p>
@@ -836,7 +937,7 @@
     </p:spTree>
     <p:extLst>
       <p:ext uri="{BB962C8B-B14F-4D97-AF65-F5344CB8AC3E}">
-        <p14:creationId xmlns:p14="http://schemas.microsoft.com/office/powerpoint/2010/main" val="842212696"/>
+        <p14:creationId xmlns:p14="http://schemas.microsoft.com/office/powerpoint/2010/main" val="3767334868"/>
       </p:ext>
     </p:extLst>
   </p:cSld>
@@ -847,8 +948,13 @@
 </file>
 
 <file path=ppt/slideLayouts/slideLayout3.xml><?xml version="1.0" encoding="utf-8"?>
-<p:sldLayout xmlns:a="http://schemas.openxmlformats.org/drawingml/2006/main" xmlns:r="http://schemas.openxmlformats.org/officeDocument/2006/relationships" xmlns:p="http://schemas.openxmlformats.org/presentationml/2006/main" type="secHead" preserve="1">
+<p:sldLayout xmlns:a="http://schemas.openxmlformats.org/drawingml/2006/main" xmlns:r="http://schemas.openxmlformats.org/officeDocument/2006/relationships" xmlns:p="http://schemas.openxmlformats.org/presentationml/2006/main" showMasterSp="0" type="secHead" preserve="1">
   <p:cSld name="Section Header">
+    <p:bg>
+      <p:bgRef idx="1001">
+        <a:schemeClr val="bg1"/>
+      </p:bgRef>
+    </p:bg>
     <p:spTree>
       <p:nvGrpSpPr>
         <p:cNvPr id="1" name=""/>
@@ -865,33 +971,80 @@
       </p:grpSpPr>
       <p:sp>
         <p:nvSpPr>
-          <p:cNvPr id="2" name="Title 1"/>
-          <p:cNvSpPr>
-            <a:spLocks noGrp="1"/>
-          </p:cNvSpPr>
-          <p:nvPr>
-            <p:ph type="title"/>
-          </p:nvPr>
+          <p:cNvPr id="7" name="Rectangle 6"/>
+          <p:cNvSpPr/>
+          <p:nvPr/>
         </p:nvSpPr>
         <p:spPr>
           <a:xfrm>
-            <a:off x="831850" y="1709738"/>
-            <a:ext cx="10515600" cy="2852737"/>
+            <a:off x="-6843" y="2059012"/>
+            <a:ext cx="12195668" cy="1828800"/>
+          </a:xfrm>
+          <a:prstGeom prst="rect">
+            <a:avLst/>
+          </a:prstGeom>
+          <a:solidFill>
+            <a:schemeClr val="tx2"/>
+          </a:solidFill>
+          <a:ln>
+            <a:noFill/>
+          </a:ln>
+        </p:spPr>
+        <p:style>
+          <a:lnRef idx="2">
+            <a:schemeClr val="accent1">
+              <a:shade val="50000"/>
+            </a:schemeClr>
+          </a:lnRef>
+          <a:fillRef idx="1">
+            <a:schemeClr val="accent1"/>
+          </a:fillRef>
+          <a:effectRef idx="0">
+            <a:schemeClr val="accent1"/>
+          </a:effectRef>
+          <a:fontRef idx="minor">
+            <a:schemeClr val="lt1"/>
+          </a:fontRef>
+        </p:style>
+      </p:sp>
+      <p:sp>
+        <p:nvSpPr>
+          <p:cNvPr id="2" name="Title 1"/>
+          <p:cNvSpPr>
+            <a:spLocks noGrp="1"/>
+          </p:cNvSpPr>
+          <p:nvPr>
+            <p:ph type="title"/>
+          </p:nvPr>
+        </p:nvSpPr>
+        <p:spPr>
+          <a:xfrm>
+            <a:off x="833191" y="2208879"/>
+            <a:ext cx="10515600" cy="1676400"/>
           </a:xfrm>
         </p:spPr>
         <p:txBody>
-          <a:bodyPr anchor="b"/>
+          <a:bodyPr anchor="ctr">
+            <a:noAutofit/>
+          </a:bodyPr>
           <a:lstStyle>
-            <a:lvl1pPr>
-              <a:defRPr sz="6000"/>
+            <a:lvl1pPr algn="ctr">
+              <a:lnSpc>
+                <a:spcPct val="80000"/>
+              </a:lnSpc>
+              <a:defRPr sz="6000" b="0" spc="150" baseline="0">
+                <a:solidFill>
+                  <a:schemeClr val="bg1"/>
+                </a:solidFill>
+              </a:defRPr>
             </a:lvl1pPr>
           </a:lstStyle>
           <a:p>
             <a:r>
-              <a:rPr lang="en-US" smtClean="0"/>
+              <a:rPr lang="en-US"/>
               <a:t>Click to edit Master title style</a:t>
             </a:r>
-            <a:endParaRPr lang="en-IN"/>
+            <a:endParaRPr lang="en-US" dirty="0"/>
           </a:p>
         </p:txBody>
       </p:sp>
@@ -907,26 +1060,26 @@
         </p:nvSpPr>
         <p:spPr>
           <a:xfrm>
-            <a:off x="831850" y="4589463"/>
-            <a:ext cx="10515600" cy="1500187"/>
+            <a:off x="833191" y="4010334"/>
+            <a:ext cx="10515600" cy="1174639"/>
           </a:xfrm>
         </p:spPr>
         <p:txBody>
-          <a:bodyPr/>
+          <a:bodyPr anchor="t">
+            <a:normAutofit/>
+          </a:bodyPr>
           <a:lstStyle>
-            <a:lvl1pPr marL="0" indent="0">
-              <a:buNone/>
-              <a:defRPr sz="2400">
+            <a:lvl1pPr marL="0" indent="0" algn="ctr">
+              <a:buNone/>
+              <a:defRPr sz="2000">
                 <a:solidFill>
-                  <a:schemeClr val="tx1">
-                    <a:tint val="75000"/>
-                  </a:schemeClr>
+                  <a:schemeClr val="tx2"/>
                 </a:solidFill>
               </a:defRPr>
             </a:lvl1pPr>
             <a:lvl2pPr marL="457200" indent="0">
               <a:buNone/>
-              <a:defRPr sz="2000">
+              <a:defRPr sz="1800">
                 <a:solidFill>
                   <a:schemeClr val="tx1">
                     <a:tint val="75000"/>
@@ -936,7 +1089,7 @@
             </a:lvl2pPr>
             <a:lvl3pPr marL="914400" indent="0">
               <a:buNone/>
-              <a:defRPr sz="1800">
+              <a:defRPr sz="1600">
                 <a:solidFill>
                   <a:schemeClr val="tx1">
                     <a:tint val="75000"/>
@@ -946,7 +1099,7 @@
             </a:lvl3pPr>
             <a:lvl4pPr marL="1371600" indent="0">
               <a:buNone/>
-              <a:defRPr sz="1600">
+              <a:defRPr sz="1400">
                 <a:solidFill>
                   <a:schemeClr val="tx1">
                     <a:tint val="75000"/>
@@ -956,7 +1109,7 @@
             </a:lvl4pPr>
             <a:lvl5pPr marL="1828800" indent="0">
               <a:buNone/>
-              <a:defRPr sz="1600">
+              <a:defRPr sz="1400">
                 <a:solidFill>
                   <a:schemeClr val="tx1">
                     <a:tint val="75000"/>
@@ -966,7 +1119,7 @@
             </a:lvl5pPr>
             <a:lvl6pPr marL="2286000" indent="0">
               <a:buNone/>
-              <a:defRPr sz="1600">
+              <a:defRPr sz="1400">
                 <a:solidFill>
                   <a:schemeClr val="tx1">
                     <a:tint val="75000"/>
@@ -976,7 +1129,7 @@
             </a:lvl6pPr>
             <a:lvl7pPr marL="2743200" indent="0">
               <a:buNone/>
-              <a:defRPr sz="1600">
+              <a:defRPr sz="1400">
                 <a:solidFill>
                   <a:schemeClr val="tx1">
                     <a:tint val="75000"/>
@@ -986,7 +1139,7 @@
             </a:lvl7pPr>
             <a:lvl8pPr marL="3200400" indent="0">
               <a:buNone/>
-              <a:defRPr sz="1600">
+              <a:defRPr sz="1400">
                 <a:solidFill>
                   <a:schemeClr val="tx1">
                     <a:tint val="75000"/>
@@ -996,7 +1149,7 @@
             </a:lvl8pPr>
             <a:lvl9pPr marL="3657600" indent="0">
               <a:buNone/>
-              <a:defRPr sz="1600">
+              <a:defRPr sz="1400">
                 <a:solidFill>
                   <a:schemeClr val="tx1">
                     <a:tint val="75000"/>
@@ -1008,8 +1161,8 @@
           <a:p>
             <a:pPr lvl="0"/>
             <a:r>
-              <a:rPr lang="en-US" smtClean="0"/>
-              <a:t>Edit Master text styles</a:t>
+              <a:rPr lang="en-US"/>
+              <a:t>Click to edit Master text styles</a:t>
             </a:r>
           </a:p>
         </p:txBody>
@@ -1027,11 +1180,19 @@
         <p:spPr/>
         <p:txBody>
           <a:bodyPr/>
-          <a:lstStyle/>
+          <a:lstStyle>
+            <a:lvl1pPr>
+              <a:defRPr>
+                <a:solidFill>
+                  <a:schemeClr val="tx2"/>
+                </a:solidFill>
+              </a:defRPr>
+            </a:lvl1pPr>
+          </a:lstStyle>
           <a:p>
             <a:fld id="{BEF24578-C6E4-45D1-B38A-AA40C59657BA}" type="datetimeFigureOut">
               <a:rPr lang="en-IN" smtClean="0"/>
-              <a:t>22-04-2021</a:t>
+              <a:t>25-04-2021</a:t>
             </a:fld>
             <a:endParaRPr lang="en-IN"/>
           </a:p>
@@ -1050,7 +1211,15 @@
         <p:spPr/>
         <p:txBody>
           <a:bodyPr/>
-          <a:lstStyle/>
+          <a:lstStyle>
+            <a:lvl1pPr>
+              <a:defRPr>
+                <a:solidFill>
+                  <a:schemeClr val="tx2"/>
+                </a:solidFill>
+              </a:defRPr>
+            </a:lvl1pPr>
+          </a:lstStyle>
           <a:p>
             <a:endParaRPr lang="en-IN"/>
           </a:p>
@@ -1069,7 +1238,15 @@
         <p:spPr/>
         <p:txBody>
           <a:bodyPr/>
-          <a:lstStyle/>
+          <a:lstStyle>
+            <a:lvl1pPr>
+              <a:defRPr>
+                <a:solidFill>
+                  <a:schemeClr val="tx2"/>
+                </a:solidFill>
+              </a:defRPr>
+            </a:lvl1pPr>
+          </a:lstStyle>
           <a:p>
             <a:fld id="{DBBC0904-89D8-445D-B22E-0FCE39FD2F85}" type="slidenum">
               <a:rPr lang="en-IN" smtClean="0"/>
@@ -1082,12 +1259,12 @@
     </p:spTree>
     <p:extLst>
       <p:ext uri="{BB962C8B-B14F-4D97-AF65-F5344CB8AC3E}">
-        <p14:creationId xmlns:p14="http://schemas.microsoft.com/office/powerpoint/2010/main" val="3372264051"/>
+        <p14:creationId xmlns:p14="http://schemas.microsoft.com/office/powerpoint/2010/main" val="3449730865"/>
       </p:ext>
     </p:extLst>
   </p:cSld>
   <p:clrMapOvr>
-    <a:masterClrMapping/>
+    <a:overrideClrMapping bg1="lt1" tx1="dk1" bg2="lt2" tx2="dk2" accent1="accent1" accent2="accent2" accent3="accent3" accent4="accent4" accent5="accent5" accent6="accent6" hlink="hlink" folHlink="folHlink"/>
   </p:clrMapOvr>
 </p:sldLayout>
 </file>
@@ -1111,7 +1288,7 @@
       </p:grpSpPr>
       <p:sp>
         <p:nvSpPr>
-          <p:cNvPr id="2" name="Title 1"/>
+          <p:cNvPr id="8" name="Title 7"/>
           <p:cNvSpPr>
             <a:spLocks noGrp="1"/>
           </p:cNvSpPr>
@@ -1125,10 +1302,10 @@
           <a:lstStyle/>
           <a:p>
             <a:r>
-              <a:rPr lang="en-US" smtClean="0"/>
+              <a:rPr lang="en-US"/>
               <a:t>Click to edit Master title style</a:t>
             </a:r>
-            <a:endParaRPr lang="en-IN"/>
+            <a:endParaRPr lang="en-US" dirty="0"/>
           </a:p>
         </p:txBody>
       </p:sp>
@@ -1144,48 +1321,76 @@
         </p:nvSpPr>
         <p:spPr>
           <a:xfrm>
-            <a:off x="838200" y="1825625"/>
-            <a:ext cx="5181600" cy="4351338"/>
+            <a:off x="1205344" y="2011680"/>
+            <a:ext cx="4754880" cy="4206240"/>
           </a:xfrm>
         </p:spPr>
         <p:txBody>
           <a:bodyPr/>
-          <a:lstStyle/>
+          <a:lstStyle>
+            <a:lvl1pPr>
+              <a:defRPr sz="2200"/>
+            </a:lvl1pPr>
+            <a:lvl2pPr>
+              <a:defRPr sz="2000"/>
+            </a:lvl2pPr>
+            <a:lvl3pPr>
+              <a:defRPr sz="1800"/>
+            </a:lvl3pPr>
+            <a:lvl4pPr>
+              <a:defRPr sz="1600"/>
+            </a:lvl4pPr>
+            <a:lvl5pPr>
+              <a:defRPr sz="1600"/>
+            </a:lvl5pPr>
+            <a:lvl6pPr>
+              <a:defRPr sz="1600"/>
+            </a:lvl6pPr>
+            <a:lvl7pPr>
+              <a:defRPr sz="1600"/>
+            </a:lvl7pPr>
+            <a:lvl8pPr>
+              <a:defRPr sz="1600"/>
+            </a:lvl8pPr>
+            <a:lvl9pPr>
+              <a:defRPr sz="1600"/>
+            </a:lvl9pPr>
+          </a:lstStyle>
           <a:p>
             <a:pPr lvl="0"/>
             <a:r>
-              <a:rPr lang="en-US" smtClean="0"/>
-              <a:t>Edit Master text styles</a:t>
+              <a:rPr lang="en-US"/>
+              <a:t>Click to edit Master text styles</a:t>
             </a:r>
           </a:p>
           <a:p>
             <a:pPr lvl="1"/>
             <a:r>
-              <a:rPr lang="en-US" smtClean="0"/>
+              <a:rPr lang="en-US"/>
               <a:t>Second level</a:t>
             </a:r>
           </a:p>
           <a:p>
             <a:pPr lvl="2"/>
             <a:r>
-              <a:rPr lang="en-US" smtClean="0"/>
+              <a:rPr lang="en-US"/>
               <a:t>Third level</a:t>
             </a:r>
           </a:p>
           <a:p>
             <a:pPr lvl="3"/>
             <a:r>
-              <a:rPr lang="en-US" smtClean="0"/>
+              <a:rPr lang="en-US"/>
               <a:t>Fourth level</a:t>
             </a:r>
           </a:p>
           <a:p>
             <a:pPr lvl="4"/>
             <a:r>
-              <a:rPr lang="en-US" smtClean="0"/>
+              <a:rPr lang="en-US"/>
               <a:t>Fifth level</a:t>
             </a:r>
-            <a:endParaRPr lang="en-IN"/>
+            <a:endParaRPr lang="en-US" dirty="0"/>
           </a:p>
         </p:txBody>
       </p:sp>
@@ -1201,48 +1406,76 @@
         </p:nvSpPr>
         <p:spPr>
           <a:xfrm>
-            <a:off x="6172200" y="1825625"/>
-            <a:ext cx="5181600" cy="4351338"/>
+            <a:off x="6230391" y="2011680"/>
+            <a:ext cx="4754880" cy="4206240"/>
           </a:xfrm>
         </p:spPr>
         <p:txBody>
           <a:bodyPr/>
-          <a:lstStyle/>
+          <a:lstStyle>
+            <a:lvl1pPr>
+              <a:defRPr sz="2200"/>
+            </a:lvl1pPr>
+            <a:lvl2pPr>
+              <a:defRPr sz="2000"/>
+            </a:lvl2pPr>
+            <a:lvl3pPr>
+              <a:defRPr sz="1800"/>
+            </a:lvl3pPr>
+            <a:lvl4pPr>
+              <a:defRPr sz="1600"/>
+            </a:lvl4pPr>
+            <a:lvl5pPr>
+              <a:defRPr sz="1600"/>
+            </a:lvl5pPr>
+            <a:lvl6pPr>
+              <a:defRPr sz="1600"/>
+            </a:lvl6pPr>
+            <a:lvl7pPr>
+              <a:defRPr sz="1600"/>
+            </a:lvl7pPr>
+            <a:lvl8pPr>
+              <a:defRPr sz="1600"/>
+            </a:lvl8pPr>
+            <a:lvl9pPr>
+              <a:defRPr sz="1600"/>
+            </a:lvl9pPr>
+          </a:lstStyle>
           <a:p>
             <a:pPr lvl="0"/>
             <a:r>
-              <a:rPr lang="en-US" smtClean="0"/>
-              <a:t>Edit Master text styles</a:t>
+              <a:rPr lang="en-US"/>
+              <a:t>Click to edit Master text styles</a:t>
             </a:r>
           </a:p>
           <a:p>
             <a:pPr lvl="1"/>
             <a:r>
-              <a:rPr lang="en-US" smtClean="0"/>
+              <a:rPr lang="en-US"/>
               <a:t>Second level</a:t>
             </a:r>
           </a:p>
           <a:p>
             <a:pPr lvl="2"/>
             <a:r>
-              <a:rPr lang="en-US" smtClean="0"/>
+              <a:rPr lang="en-US"/>
               <a:t>Third level</a:t>
             </a:r>
           </a:p>
           <a:p>
             <a:pPr lvl="3"/>
             <a:r>
-              <a:rPr lang="en-US" smtClean="0"/>
+              <a:rPr lang="en-US"/>
               <a:t>Fourth level</a:t>
             </a:r>
           </a:p>
           <a:p>
             <a:pPr lvl="4"/>
             <a:r>
-              <a:rPr lang="en-US" smtClean="0"/>
+              <a:rPr lang="en-US"/>
               <a:t>Fifth level</a:t>
             </a:r>
-            <a:endParaRPr lang="en-IN"/>
+            <a:endParaRPr lang="en-US" dirty="0"/>
           </a:p>
         </p:txBody>
       </p:sp>
@@ -1263,7 +1496,7 @@
           <a:p>
             <a:fld id="{BEF24578-C6E4-45D1-B38A-AA40C59657BA}" type="datetimeFigureOut">
               <a:rPr lang="en-IN" smtClean="0"/>
-              <a:t>22-04-2021</a:t>
+              <a:t>25-04-2021</a:t>
             </a:fld>
             <a:endParaRPr lang="en-IN"/>
           </a:p>
@@ -1314,7 +1547,7 @@
     </p:spTree>
     <p:extLst>
       <p:ext uri="{BB962C8B-B14F-4D97-AF65-F5344CB8AC3E}">
-        <p14:creationId xmlns:p14="http://schemas.microsoft.com/office/powerpoint/2010/main" val="475979747"/>
+        <p14:creationId xmlns:p14="http://schemas.microsoft.com/office/powerpoint/2010/main" val="1409556202"/>
       </p:ext>
     </p:extLst>
   </p:cSld>
@@ -1343,54 +1576,51 @@
       </p:grpSpPr>
       <p:sp>
         <p:nvSpPr>
-          <p:cNvPr id="2" name="Title 1"/>
+          <p:cNvPr id="10" name="Title 9"/>
           <p:cNvSpPr>
             <a:spLocks noGrp="1"/>
           </p:cNvSpPr>
           <p:nvPr>
             <p:ph type="title"/>
+          </p:nvPr>
+        </p:nvSpPr>
+        <p:spPr/>
+        <p:txBody>
+          <a:bodyPr/>
+          <a:lstStyle/>
+          <a:p>
+            <a:r>
+              <a:rPr lang="en-US"/>
+              <a:t>Click to edit Master title style</a:t>
+            </a:r>
+            <a:endParaRPr lang="en-US" dirty="0"/>
+          </a:p>
+        </p:txBody>
+      </p:sp>
+      <p:sp>
+        <p:nvSpPr>
+          <p:cNvPr id="3" name="Text Placeholder 2"/>
+          <p:cNvSpPr>
+            <a:spLocks noGrp="1"/>
+          </p:cNvSpPr>
+          <p:nvPr>
+            <p:ph type="body" idx="1"/>
           </p:nvPr>
         </p:nvSpPr>
         <p:spPr>
           <a:xfrm>
-            <a:off x="839788" y="365125"/>
-            <a:ext cx="10515600" cy="1325563"/>
+            <a:off x="1207008" y="1913470"/>
+            <a:ext cx="4754880" cy="743094"/>
           </a:xfrm>
         </p:spPr>
         <p:txBody>
-          <a:bodyPr/>
-          <a:lstStyle/>
-          <a:p>
-            <a:r>
-              <a:rPr lang="en-US" smtClean="0"/>
-              <a:t>Click to edit Master title style</a:t>
-            </a:r>
-            <a:endParaRPr lang="en-IN"/>
-          </a:p>
-        </p:txBody>
-      </p:sp>
-      <p:sp>
-        <p:nvSpPr>
-          <p:cNvPr id="3" name="Text Placeholder 2"/>
-          <p:cNvSpPr>
-            <a:spLocks noGrp="1"/>
-          </p:cNvSpPr>
-          <p:nvPr>
-            <p:ph type="body" idx="1"/>
-          </p:nvPr>
-        </p:nvSpPr>
-        <p:spPr>
-          <a:xfrm>
-            <a:off x="839788" y="1681163"/>
-            <a:ext cx="5157787" cy="823912"/>
-          </a:xfrm>
-        </p:spPr>
-        <p:txBody>
-          <a:bodyPr anchor="b"/>
+          <a:bodyPr anchor="ctr">
+            <a:normAutofit/>
+          </a:bodyPr>
           <a:lstStyle>
             <a:lvl1pPr marL="0" indent="0">
               <a:buNone/>
-              <a:defRPr sz="2400" b="1"/>
+              <a:defRPr sz="2100" b="1"/>
             </a:lvl1pPr>
             <a:lvl2pPr marL="457200" indent="0">
               <a:buNone/>
@@ -1428,8 +1658,8 @@
           <a:p>
             <a:pPr lvl="0"/>
             <a:r>
-              <a:rPr lang="en-US" smtClean="0"/>
-              <a:t>Edit Master text styles</a:t>
+              <a:rPr lang="en-US"/>
+              <a:t>Click to edit Master text styles</a:t>
             </a:r>
           </a:p>
         </p:txBody>
@@ -1446,48 +1676,76 @@
         </p:nvSpPr>
         <p:spPr>
           <a:xfrm>
-            <a:off x="839788" y="2505075"/>
-            <a:ext cx="5157787" cy="3684588"/>
+            <a:off x="1207008" y="2656566"/>
+            <a:ext cx="4754880" cy="3566160"/>
           </a:xfrm>
         </p:spPr>
         <p:txBody>
           <a:bodyPr/>
-          <a:lstStyle/>
+          <a:lstStyle>
+            <a:lvl1pPr>
+              <a:defRPr sz="2200"/>
+            </a:lvl1pPr>
+            <a:lvl2pPr>
+              <a:defRPr sz="2000"/>
+            </a:lvl2pPr>
+            <a:lvl3pPr>
+              <a:defRPr sz="1800"/>
+            </a:lvl3pPr>
+            <a:lvl4pPr>
+              <a:defRPr sz="1600"/>
+            </a:lvl4pPr>
+            <a:lvl5pPr>
+              <a:defRPr sz="1600"/>
+            </a:lvl5pPr>
+            <a:lvl6pPr>
+              <a:defRPr sz="1600"/>
+            </a:lvl6pPr>
+            <a:lvl7pPr>
+              <a:defRPr sz="1600"/>
+            </a:lvl7pPr>
+            <a:lvl8pPr>
+              <a:defRPr sz="1600"/>
+            </a:lvl8pPr>
+            <a:lvl9pPr>
+              <a:defRPr sz="1600"/>
+            </a:lvl9pPr>
+          </a:lstStyle>
           <a:p>
             <a:pPr lvl="0"/>
             <a:r>
-              <a:rPr lang="en-US" smtClean="0"/>
-              <a:t>Edit Master text styles</a:t>
+              <a:rPr lang="en-US"/>
+              <a:t>Click to edit Master text styles</a:t>
             </a:r>
           </a:p>
           <a:p>
             <a:pPr lvl="1"/>
             <a:r>
-              <a:rPr lang="en-US" smtClean="0"/>
+              <a:rPr lang="en-US"/>
               <a:t>Second level</a:t>
             </a:r>
           </a:p>
           <a:p>
             <a:pPr lvl="2"/>
             <a:r>
-              <a:rPr lang="en-US" smtClean="0"/>
+              <a:rPr lang="en-US"/>
               <a:t>Third level</a:t>
             </a:r>
           </a:p>
           <a:p>
             <a:pPr lvl="3"/>
             <a:r>
-              <a:rPr lang="en-US" smtClean="0"/>
+              <a:rPr lang="en-US"/>
               <a:t>Fourth level</a:t>
             </a:r>
           </a:p>
           <a:p>
             <a:pPr lvl="4"/>
             <a:r>
-              <a:rPr lang="en-US" smtClean="0"/>
+              <a:rPr lang="en-US"/>
               <a:t>Fifth level</a:t>
             </a:r>
-            <a:endParaRPr lang="en-IN"/>
+            <a:endParaRPr lang="en-US" dirty="0"/>
           </a:p>
         </p:txBody>
       </p:sp>
@@ -1503,16 +1761,18 @@
         </p:nvSpPr>
         <p:spPr>
           <a:xfrm>
-            <a:off x="6172200" y="1681163"/>
-            <a:ext cx="5183188" cy="823912"/>
+            <a:off x="6231230" y="1913470"/>
+            <a:ext cx="4754880" cy="743094"/>
           </a:xfrm>
         </p:spPr>
         <p:txBody>
-          <a:bodyPr anchor="b"/>
+          <a:bodyPr anchor="ctr">
+            <a:normAutofit/>
+          </a:bodyPr>
           <a:lstStyle>
             <a:lvl1pPr marL="0" indent="0">
               <a:buNone/>
-              <a:defRPr sz="2400" b="1"/>
+              <a:defRPr sz="2100" b="1"/>
             </a:lvl1pPr>
             <a:lvl2pPr marL="457200" indent="0">
               <a:buNone/>
@@ -1550,8 +1810,8 @@
           <a:p>
             <a:pPr lvl="0"/>
             <a:r>
-              <a:rPr lang="en-US" smtClean="0"/>
-              <a:t>Edit Master text styles</a:t>
+              <a:rPr lang="en-US"/>
+              <a:t>Click to edit Master text styles</a:t>
             </a:r>
           </a:p>
         </p:txBody>
@@ -1568,48 +1828,76 @@
         </p:nvSpPr>
         <p:spPr>
           <a:xfrm>
-            <a:off x="6172200" y="2505075"/>
-            <a:ext cx="5183188" cy="3684588"/>
+            <a:off x="6231230" y="2656564"/>
+            <a:ext cx="4754880" cy="3566160"/>
           </a:xfrm>
         </p:spPr>
         <p:txBody>
           <a:bodyPr/>
-          <a:lstStyle/>
+          <a:lstStyle>
+            <a:lvl1pPr>
+              <a:defRPr sz="2200"/>
+            </a:lvl1pPr>
+            <a:lvl2pPr>
+              <a:defRPr sz="2000"/>
+            </a:lvl2pPr>
+            <a:lvl3pPr>
+              <a:defRPr sz="1800"/>
+            </a:lvl3pPr>
+            <a:lvl4pPr>
+              <a:defRPr sz="1600"/>
+            </a:lvl4pPr>
+            <a:lvl5pPr>
+              <a:defRPr sz="1600"/>
+            </a:lvl5pPr>
+            <a:lvl6pPr>
+              <a:defRPr sz="1600"/>
+            </a:lvl6pPr>
+            <a:lvl7pPr>
+              <a:defRPr sz="1600"/>
+            </a:lvl7pPr>
+            <a:lvl8pPr>
+              <a:defRPr sz="1600"/>
+            </a:lvl8pPr>
+            <a:lvl9pPr>
+              <a:defRPr sz="1600"/>
+            </a:lvl9pPr>
+          </a:lstStyle>
           <a:p>
             <a:pPr lvl="0"/>
             <a:r>
-              <a:rPr lang="en-US" smtClean="0"/>
-              <a:t>Edit Master text styles</a:t>
+              <a:rPr lang="en-US"/>
+              <a:t>Click to edit Master text styles</a:t>
             </a:r>
           </a:p>
           <a:p>
             <a:pPr lvl="1"/>
             <a:r>
-              <a:rPr lang="en-US" smtClean="0"/>
+              <a:rPr lang="en-US"/>
               <a:t>Second level</a:t>
             </a:r>
           </a:p>
           <a:p>
             <a:pPr lvl="2"/>
             <a:r>
-              <a:rPr lang="en-US" smtClean="0"/>
+              <a:rPr lang="en-US"/>
               <a:t>Third level</a:t>
             </a:r>
           </a:p>
           <a:p>
             <a:pPr lvl="3"/>
             <a:r>
-              <a:rPr lang="en-US" smtClean="0"/>
+              <a:rPr lang="en-US"/>
               <a:t>Fourth level</a:t>
             </a:r>
           </a:p>
           <a:p>
             <a:pPr lvl="4"/>
             <a:r>
-              <a:rPr lang="en-US" smtClean="0"/>
+              <a:rPr lang="en-US"/>
               <a:t>Fifth level</a:t>
             </a:r>
-            <a:endParaRPr lang="en-IN"/>
+            <a:endParaRPr lang="en-US" dirty="0"/>
           </a:p>
         </p:txBody>
       </p:sp>
@@ -1630,7 +1918,7 @@
           <a:p>
             <a:fld id="{BEF24578-C6E4-45D1-B38A-AA40C59657BA}" type="datetimeFigureOut">
               <a:rPr lang="en-IN" smtClean="0"/>
-              <a:t>22-04-2021</a:t>
+              <a:t>25-04-2021</a:t>
             </a:fld>
             <a:endParaRPr lang="en-IN"/>
           </a:p>
@@ -1681,7 +1969,7 @@
     </p:spTree>
     <p:extLst>
       <p:ext uri="{BB962C8B-B14F-4D97-AF65-F5344CB8AC3E}">
-        <p14:creationId xmlns:p14="http://schemas.microsoft.com/office/powerpoint/2010/main" val="2646454378"/>
+        <p14:creationId xmlns:p14="http://schemas.microsoft.com/office/powerpoint/2010/main" val="2658758591"/>
       </p:ext>
     </p:extLst>
   </p:cSld>
@@ -1724,10 +2012,10 @@
           <a:lstStyle/>
           <a:p>
             <a:r>
-              <a:rPr lang="en-US" smtClean="0"/>
+              <a:rPr lang="en-US"/>
               <a:t>Click to edit Master title style</a:t>
             </a:r>
-            <a:endParaRPr lang="en-IN"/>
+            <a:endParaRPr lang="en-US" dirty="0"/>
           </a:p>
         </p:txBody>
       </p:sp>
@@ -1748,7 +2036,7 @@
           <a:p>
             <a:fld id="{BEF24578-C6E4-45D1-B38A-AA40C59657BA}" type="datetimeFigureOut">
               <a:rPr lang="en-IN" smtClean="0"/>
-              <a:t>22-04-2021</a:t>
+              <a:t>25-04-2021</a:t>
             </a:fld>
             <a:endParaRPr lang="en-IN"/>
           </a:p>
@@ -1799,7 +2087,7 @@
     </p:spTree>
     <p:extLst>
       <p:ext uri="{BB962C8B-B14F-4D97-AF65-F5344CB8AC3E}">
-        <p14:creationId xmlns:p14="http://schemas.microsoft.com/office/powerpoint/2010/main" val="1310832791"/>
+        <p14:creationId xmlns:p14="http://schemas.microsoft.com/office/powerpoint/2010/main" val="3474660207"/>
       </p:ext>
     </p:extLst>
   </p:cSld>
@@ -1810,7 +2098,7 @@
 </file>
 
 <file path=ppt/slideLayouts/slideLayout7.xml><?xml version="1.0" encoding="utf-8"?>
-<p:sldLayout xmlns:a="http://schemas.openxmlformats.org/drawingml/2006/main" xmlns:r="http://schemas.openxmlformats.org/officeDocument/2006/relationships" xmlns:p="http://schemas.openxmlformats.org/presentationml/2006/main" type="blank" preserve="1">
+<p:sldLayout xmlns:a="http://schemas.openxmlformats.org/drawingml/2006/main" xmlns:r="http://schemas.openxmlformats.org/officeDocument/2006/relationships" xmlns:p="http://schemas.openxmlformats.org/presentationml/2006/main" showMasterSp="0" type="blank" preserve="1">
   <p:cSld name="Blank">
     <p:spTree>
       <p:nvGrpSpPr>
@@ -1843,7 +2131,7 @@
           <a:p>
             <a:fld id="{BEF24578-C6E4-45D1-B38A-AA40C59657BA}" type="datetimeFigureOut">
               <a:rPr lang="en-IN" smtClean="0"/>
-              <a:t>22-04-2021</a:t>
+              <a:t>25-04-2021</a:t>
             </a:fld>
             <a:endParaRPr lang="en-IN"/>
           </a:p>
@@ -1894,7 +2182,7 @@
     </p:spTree>
     <p:extLst>
       <p:ext uri="{BB962C8B-B14F-4D97-AF65-F5344CB8AC3E}">
-        <p14:creationId xmlns:p14="http://schemas.microsoft.com/office/powerpoint/2010/main" val="3138438956"/>
+        <p14:creationId xmlns:p14="http://schemas.microsoft.com/office/powerpoint/2010/main" val="2128099138"/>
       </p:ext>
     </p:extLst>
   </p:cSld>
@@ -1923,50 +2211,41 @@
       </p:grpSpPr>
       <p:sp>
         <p:nvSpPr>
-          <p:cNvPr id="2" name="Title 1"/>
+          <p:cNvPr id="8" name="Title 7"/>
           <p:cNvSpPr>
             <a:spLocks noGrp="1"/>
           </p:cNvSpPr>
           <p:nvPr>
             <p:ph type="title"/>
+          </p:nvPr>
+        </p:nvSpPr>
+        <p:spPr/>
+        <p:txBody>
+          <a:bodyPr/>
+          <a:lstStyle/>
+          <a:p>
+            <a:r>
+              <a:rPr lang="en-US"/>
+              <a:t>Click to edit Master title style</a:t>
+            </a:r>
+            <a:endParaRPr lang="en-US" dirty="0"/>
+          </a:p>
+        </p:txBody>
+      </p:sp>
+      <p:sp>
+        <p:nvSpPr>
+          <p:cNvPr id="3" name="Content Placeholder 2"/>
+          <p:cNvSpPr>
+            <a:spLocks noGrp="1"/>
+          </p:cNvSpPr>
+          <p:nvPr>
+            <p:ph idx="1"/>
           </p:nvPr>
         </p:nvSpPr>
         <p:spPr>
           <a:xfrm>
-            <a:off x="839788" y="457200"/>
-            <a:ext cx="3932237" cy="1600200"/>
-          </a:xfrm>
-        </p:spPr>
-        <p:txBody>
-          <a:bodyPr anchor="b"/>
-          <a:lstStyle>
-            <a:lvl1pPr>
-              <a:defRPr sz="3200"/>
-            </a:lvl1pPr>
-          </a:lstStyle>
-          <a:p>
-            <a:r>
-              <a:rPr lang="en-US" smtClean="0"/>
-              <a:t>Click to edit Master title style</a:t>
-            </a:r>
-            <a:endParaRPr lang="en-IN"/>
-          </a:p>
-        </p:txBody>
-      </p:sp>
-      <p:sp>
-        <p:nvSpPr>
-          <p:cNvPr id="3" name="Content Placeholder 2"/>
-          <p:cNvSpPr>
-            <a:spLocks noGrp="1"/>
-          </p:cNvSpPr>
-          <p:nvPr>
-            <p:ph idx="1"/>
-          </p:nvPr>
-        </p:nvSpPr>
-        <p:spPr>
-          <a:xfrm>
-            <a:off x="5183188" y="987425"/>
-            <a:ext cx="6172200" cy="4873625"/>
+            <a:off x="1207008" y="2120054"/>
+            <a:ext cx="6126480" cy="4114800"/>
           </a:xfrm>
         </p:spPr>
         <p:txBody>
@@ -2003,38 +2282,38 @@
           <a:p>
             <a:pPr lvl="0"/>
             <a:r>
-              <a:rPr lang="en-US" smtClean="0"/>
-              <a:t>Edit Master text styles</a:t>
+              <a:rPr lang="en-US"/>
+              <a:t>Click to edit Master text styles</a:t>
             </a:r>
           </a:p>
           <a:p>
             <a:pPr lvl="1"/>
             <a:r>
-              <a:rPr lang="en-US" smtClean="0"/>
+              <a:rPr lang="en-US"/>
               <a:t>Second level</a:t>
             </a:r>
           </a:p>
           <a:p>
             <a:pPr lvl="2"/>
             <a:r>
-              <a:rPr lang="en-US" smtClean="0"/>
+              <a:rPr lang="en-US"/>
               <a:t>Third level</a:t>
             </a:r>
           </a:p>
           <a:p>
             <a:pPr lvl="3"/>
             <a:r>
-              <a:rPr lang="en-US" smtClean="0"/>
+              <a:rPr lang="en-US"/>
               <a:t>Fourth level</a:t>
             </a:r>
           </a:p>
           <a:p>
             <a:pPr lvl="4"/>
             <a:r>
-              <a:rPr lang="en-US" smtClean="0"/>
+              <a:rPr lang="en-US"/>
               <a:t>Fifth level</a:t>
             </a:r>
-            <a:endParaRPr lang="en-IN"/>
+            <a:endParaRPr lang="en-US" dirty="0"/>
           </a:p>
         </p:txBody>
       </p:sp>
@@ -2050,55 +2329,60 @@
         </p:nvSpPr>
         <p:spPr>
           <a:xfrm>
-            <a:off x="839788" y="2057400"/>
-            <a:ext cx="3932237" cy="3811588"/>
+            <a:off x="7789023" y="2147486"/>
+            <a:ext cx="3200400" cy="3432319"/>
           </a:xfrm>
         </p:spPr>
         <p:txBody>
-          <a:bodyPr/>
+          <a:bodyPr>
+            <a:normAutofit/>
+          </a:bodyPr>
           <a:lstStyle>
             <a:lvl1pPr marL="0" indent="0">
-              <a:buNone/>
-              <a:defRPr sz="1600"/>
+              <a:lnSpc>
+                <a:spcPct val="95000"/>
+              </a:lnSpc>
+              <a:buNone/>
+              <a:defRPr sz="1800"/>
             </a:lvl1pPr>
             <a:lvl2pPr marL="457200" indent="0">
               <a:buNone/>
-              <a:defRPr sz="1400"/>
+              <a:defRPr sz="1200"/>
             </a:lvl2pPr>
             <a:lvl3pPr marL="914400" indent="0">
               <a:buNone/>
-              <a:defRPr sz="1200"/>
+              <a:defRPr sz="1000"/>
             </a:lvl3pPr>
             <a:lvl4pPr marL="1371600" indent="0">
               <a:buNone/>
-              <a:defRPr sz="1000"/>
+              <a:defRPr sz="900"/>
             </a:lvl4pPr>
             <a:lvl5pPr marL="1828800" indent="0">
               <a:buNone/>
-              <a:defRPr sz="1000"/>
+              <a:defRPr sz="900"/>
             </a:lvl5pPr>
             <a:lvl6pPr marL="2286000" indent="0">
               <a:buNone/>
-              <a:defRPr sz="1000"/>
+              <a:defRPr sz="900"/>
             </a:lvl6pPr>
             <a:lvl7pPr marL="2743200" indent="0">
               <a:buNone/>
-              <a:defRPr sz="1000"/>
+              <a:defRPr sz="900"/>
             </a:lvl7pPr>
             <a:lvl8pPr marL="3200400" indent="0">
               <a:buNone/>
-              <a:defRPr sz="1000"/>
+              <a:defRPr sz="900"/>
             </a:lvl8pPr>
             <a:lvl9pPr marL="3657600" indent="0">
               <a:buNone/>
-              <a:defRPr sz="1000"/>
+              <a:defRPr sz="900"/>
             </a:lvl9pPr>
           </a:lstStyle>
           <a:p>
             <a:pPr lvl="0"/>
             <a:r>
-              <a:rPr lang="en-US" smtClean="0"/>
-              <a:t>Edit Master text styles</a:t>
+              <a:rPr lang="en-US"/>
+              <a:t>Click to edit Master text styles</a:t>
             </a:r>
           </a:p>
         </p:txBody>
@@ -2120,7 +2404,7 @@
           <a:p>
             <a:fld id="{BEF24578-C6E4-45D1-B38A-AA40C59657BA}" type="datetimeFigureOut">
               <a:rPr lang="en-IN" smtClean="0"/>
-              <a:t>22-04-2021</a:t>
+              <a:t>25-04-2021</a:t>
             </a:fld>
             <a:endParaRPr lang="en-IN"/>
           </a:p>
@@ -2171,7 +2455,7 @@
     </p:spTree>
     <p:extLst>
       <p:ext uri="{BB962C8B-B14F-4D97-AF65-F5344CB8AC3E}">
-        <p14:creationId xmlns:p14="http://schemas.microsoft.com/office/powerpoint/2010/main" val="689682894"/>
+        <p14:creationId xmlns:p14="http://schemas.microsoft.com/office/powerpoint/2010/main" val="791245902"/>
       </p:ext>
     </p:extLst>
   </p:cSld>
@@ -2200,58 +2484,61 @@
       </p:grpSpPr>
       <p:sp>
         <p:nvSpPr>
-          <p:cNvPr id="2" name="Title 1"/>
+          <p:cNvPr id="8" name="Title 7"/>
           <p:cNvSpPr>
             <a:spLocks noGrp="1"/>
           </p:cNvSpPr>
           <p:nvPr>
             <p:ph type="title"/>
+          </p:nvPr>
+        </p:nvSpPr>
+        <p:spPr/>
+        <p:txBody>
+          <a:bodyPr/>
+          <a:lstStyle/>
+          <a:p>
+            <a:r>
+              <a:rPr lang="en-US"/>
+              <a:t>Click to edit Master title style</a:t>
+            </a:r>
+            <a:endParaRPr lang="en-US" dirty="0"/>
+          </a:p>
+        </p:txBody>
+      </p:sp>
+      <p:sp>
+        <p:nvSpPr>
+          <p:cNvPr id="3" name="Picture Placeholder 2"/>
+          <p:cNvSpPr>
+            <a:spLocks noGrp="1" noChangeAspect="1"/>
+          </p:cNvSpPr>
+          <p:nvPr>
+            <p:ph type="pic" idx="1"/>
           </p:nvPr>
         </p:nvSpPr>
         <p:spPr>
           <a:xfrm>
-            <a:off x="839788" y="457200"/>
-            <a:ext cx="3932237" cy="1600200"/>
+            <a:off x="1280160" y="2211494"/>
+            <a:ext cx="6126480" cy="3931920"/>
           </a:xfrm>
+          <a:solidFill>
+            <a:schemeClr val="tx2">
+              <a:lumMod val="60000"/>
+              <a:lumOff val="40000"/>
+            </a:schemeClr>
+          </a:solidFill>
         </p:spPr>
         <p:txBody>
-          <a:bodyPr anchor="b"/>
+          <a:bodyPr tIns="365760" anchor="t"/>
           <a:lstStyle>
-            <a:lvl1pPr>
-              <a:defRPr sz="3200"/>
-            </a:lvl1pPr>
-          </a:lstStyle>
-          <a:p>
-            <a:r>
-              <a:rPr lang="en-US" smtClean="0"/>
-              <a:t>Click to edit Master title style</a:t>
-            </a:r>
-            <a:endParaRPr lang="en-IN"/>
-          </a:p>
-        </p:txBody>
-      </p:sp>
-      <p:sp>
-        <p:nvSpPr>
-          <p:cNvPr id="3" name="Picture Placeholder 2"/>
-          <p:cNvSpPr>
-            <a:spLocks noGrp="1"/>
-          </p:cNvSpPr>
-          <p:nvPr>
-            <p:ph type="pic" idx="1"/>
-          </p:nvPr>
-        </p:nvSpPr>
-        <p:spPr>
-          <a:xfrm>
-            <a:off x="5183188" y="987425"/>
-            <a:ext cx="6172200" cy="4873625"/>
-          </a:xfrm>
-        </p:spPr>
-        <p:txBody>
-          <a:bodyPr/>
-          <a:lstStyle>
-            <a:lvl1pPr marL="0" indent="0">
-              <a:buNone/>
-              <a:defRPr sz="3200"/>
+            <a:lvl1pPr marL="0" indent="0" algn="ctr">
+              <a:buNone/>
+              <a:defRPr sz="3200">
+                <a:solidFill>
+                  <a:schemeClr val="tx1">
+                    <a:lumMod val="50000"/>
+                  </a:schemeClr>
+                </a:solidFill>
+              </a:defRPr>
             </a:lvl1pPr>
             <a:lvl2pPr marL="457200" indent="0">
               <a:buNone/>
@@ -2287,7 +2574,11 @@
             </a:lvl9pPr>
           </a:lstStyle>
           <a:p>
-            <a:endParaRPr lang="en-IN"/>
+            <a:r>
+              <a:rPr lang="en-US"/>
+              <a:t>Click icon to add picture</a:t>
+            </a:r>
+            <a:endParaRPr lang="en-US" dirty="0"/>
           </a:p>
         </p:txBody>
       </p:sp>
@@ -2303,55 +2594,60 @@
         </p:nvSpPr>
         <p:spPr>
           <a:xfrm>
-            <a:off x="839788" y="2057400"/>
-            <a:ext cx="3932237" cy="3811588"/>
+            <a:off x="7790688" y="2150621"/>
+            <a:ext cx="3200400" cy="3429000"/>
           </a:xfrm>
         </p:spPr>
         <p:txBody>
-          <a:bodyPr/>
+          <a:bodyPr>
+            <a:normAutofit/>
+          </a:bodyPr>
           <a:lstStyle>
             <a:lvl1pPr marL="0" indent="0">
-              <a:buNone/>
-              <a:defRPr sz="1600"/>
+              <a:lnSpc>
+                <a:spcPct val="95000"/>
+              </a:lnSpc>
+              <a:buNone/>
+              <a:defRPr sz="1800"/>
             </a:lvl1pPr>
             <a:lvl2pPr marL="457200" indent="0">
               <a:buNone/>
-              <a:defRPr sz="1400"/>
+              <a:defRPr sz="1200"/>
             </a:lvl2pPr>
             <a:lvl3pPr marL="914400" indent="0">
               <a:buNone/>
-              <a:defRPr sz="1200"/>
+              <a:defRPr sz="1000"/>
             </a:lvl3pPr>
             <a:lvl4pPr marL="1371600" indent="0">
               <a:buNone/>
-              <a:defRPr sz="1000"/>
+              <a:defRPr sz="900"/>
             </a:lvl4pPr>
             <a:lvl5pPr marL="1828800" indent="0">
               <a:buNone/>
-              <a:defRPr sz="1000"/>
+              <a:defRPr sz="900"/>
             </a:lvl5pPr>
             <a:lvl6pPr marL="2286000" indent="0">
               <a:buNone/>
-              <a:defRPr sz="1000"/>
+              <a:defRPr sz="900"/>
             </a:lvl6pPr>
             <a:lvl7pPr marL="2743200" indent="0">
               <a:buNone/>
-              <a:defRPr sz="1000"/>
+              <a:defRPr sz="900"/>
             </a:lvl7pPr>
             <a:lvl8pPr marL="3200400" indent="0">
               <a:buNone/>
-              <a:defRPr sz="1000"/>
+              <a:defRPr sz="900"/>
             </a:lvl8pPr>
             <a:lvl9pPr marL="3657600" indent="0">
               <a:buNone/>
-              <a:defRPr sz="1000"/>
+              <a:defRPr sz="900"/>
             </a:lvl9pPr>
           </a:lstStyle>
           <a:p>
             <a:pPr lvl="0"/>
             <a:r>
-              <a:rPr lang="en-US" smtClean="0"/>
-              <a:t>Edit Master text styles</a:t>
+              <a:rPr lang="en-US"/>
+              <a:t>Click to edit Master text styles</a:t>
             </a:r>
           </a:p>
         </p:txBody>
@@ -2373,7 +2669,7 @@
           <a:p>
             <a:fld id="{BEF24578-C6E4-45D1-B38A-AA40C59657BA}" type="datetimeFigureOut">
               <a:rPr lang="en-IN" smtClean="0"/>
-              <a:t>22-04-2021</a:t>
+              <a:t>25-04-2021</a:t>
             </a:fld>
             <a:endParaRPr lang="en-IN"/>
           </a:p>
@@ -2424,7 +2720,7 @@
     </p:spTree>
     <p:extLst>
       <p:ext uri="{BB962C8B-B14F-4D97-AF65-F5344CB8AC3E}">
-        <p14:creationId xmlns:p14="http://schemas.microsoft.com/office/powerpoint/2010/main" val="1682922932"/>
+        <p14:creationId xmlns:p14="http://schemas.microsoft.com/office/powerpoint/2010/main" val="1853312085"/>
       </p:ext>
     </p:extLst>
   </p:cSld>
@@ -2439,7 +2735,7 @@
   <p:cSld>
     <p:bg>
       <p:bgRef idx="1001">
-        <a:schemeClr val="bg1"/>
+        <a:schemeClr val="bg2"/>
       </p:bgRef>
     </p:bg>
     <p:spTree>
@@ -2458,18 +2754,56 @@
       </p:grpSpPr>
       <p:sp>
         <p:nvSpPr>
-          <p:cNvPr id="2" name="Title Placeholder 1"/>
-          <p:cNvSpPr>
-            <a:spLocks noGrp="1"/>
-          </p:cNvSpPr>
-          <p:nvPr>
-            <p:ph type="title"/>
-          </p:nvPr>
+          <p:cNvPr id="7" name="Rectangle 6"/>
+          <p:cNvSpPr/>
+          <p:nvPr/>
         </p:nvSpPr>
         <p:spPr>
           <a:xfrm>
-            <a:off x="838200" y="365125"/>
-            <a:ext cx="10515600" cy="1325563"/>
+            <a:off x="483" y="176109"/>
+            <a:ext cx="12188952" cy="1645919"/>
+          </a:xfrm>
+          <a:prstGeom prst="rect">
+            <a:avLst/>
+          </a:prstGeom>
+          <a:solidFill>
+            <a:schemeClr val="tx1"/>
+          </a:solidFill>
+          <a:ln>
+            <a:noFill/>
+          </a:ln>
+        </p:spPr>
+        <p:style>
+          <a:lnRef idx="2">
+            <a:schemeClr val="accent1">
+              <a:shade val="50000"/>
+            </a:schemeClr>
+          </a:lnRef>
+          <a:fillRef idx="1">
+            <a:schemeClr val="accent1"/>
+          </a:fillRef>
+          <a:effectRef idx="0">
+            <a:schemeClr val="accent1"/>
+          </a:effectRef>
+          <a:fontRef idx="minor">
+            <a:schemeClr val="lt1"/>
+          </a:fontRef>
+        </p:style>
+      </p:sp>
+      <p:sp>
+        <p:nvSpPr>
+          <p:cNvPr id="2" name="Title Placeholder 1"/>
+          <p:cNvSpPr>
+            <a:spLocks noGrp="1"/>
+          </p:cNvSpPr>
+          <p:nvPr>
+            <p:ph type="title"/>
+          </p:nvPr>
+        </p:nvSpPr>
+        <p:spPr>
+          <a:xfrm>
+            <a:off x="1202919" y="284176"/>
+            <a:ext cx="9784080" cy="1508760"/>
           </a:xfrm>
           <a:prstGeom prst="rect">
             <a:avLst/>
@@ -2482,10 +2816,10 @@
           <a:lstStyle/>
           <a:p>
             <a:r>
-              <a:rPr lang="en-US" smtClean="0"/>
+              <a:rPr lang="en-US"/>
               <a:t>Click to edit Master title style</a:t>
             </a:r>
-            <a:endParaRPr lang="en-IN"/>
+            <a:endParaRPr lang="en-US" dirty="0"/>
           </a:p>
         </p:txBody>
       </p:sp>
@@ -2501,8 +2835,8 @@
         </p:nvSpPr>
         <p:spPr>
           <a:xfrm>
-            <a:off x="838200" y="1825625"/>
-            <a:ext cx="10515600" cy="4351338"/>
+            <a:off x="1202919" y="2011680"/>
+            <a:ext cx="9784080" cy="4206240"/>
           </a:xfrm>
           <a:prstGeom prst="rect">
             <a:avLst/>
@@ -2516,38 +2850,38 @@
           <a:p>
             <a:pPr lvl="0"/>
             <a:r>
-              <a:rPr lang="en-US" smtClean="0"/>
-              <a:t>Edit Master text styles</a:t>
+              <a:rPr lang="en-US"/>
+              <a:t>Click to edit Master text styles</a:t>
             </a:r>
           </a:p>
           <a:p>
             <a:pPr lvl="1"/>
             <a:r>
-              <a:rPr lang="en-US" smtClean="0"/>
+              <a:rPr lang="en-US"/>
               <a:t>Second level</a:t>
             </a:r>
           </a:p>
           <a:p>
             <a:pPr lvl="2"/>
             <a:r>
-              <a:rPr lang="en-US" smtClean="0"/>
+              <a:rPr lang="en-US"/>
               <a:t>Third level</a:t>
             </a:r>
           </a:p>
           <a:p>
             <a:pPr lvl="3"/>
             <a:r>
-              <a:rPr lang="en-US" smtClean="0"/>
+              <a:rPr lang="en-US"/>
               <a:t>Fourth level</a:t>
             </a:r>
           </a:p>
           <a:p>
             <a:pPr lvl="4"/>
             <a:r>
-              <a:rPr lang="en-US" smtClean="0"/>
+              <a:rPr lang="en-US"/>
               <a:t>Fifth level</a:t>
             </a:r>
-            <a:endParaRPr lang="en-IN"/>
+            <a:endParaRPr lang="en-US" dirty="0"/>
           </a:p>
         </p:txBody>
       </p:sp>
@@ -2563,22 +2897,20 @@
         </p:nvSpPr>
         <p:spPr>
           <a:xfrm>
-            <a:off x="838200" y="6356350"/>
-            <a:ext cx="2743200" cy="365125"/>
+            <a:off x="1202266" y="6422854"/>
+            <a:ext cx="3000894" cy="365125"/>
           </a:xfrm>
           <a:prstGeom prst="rect">
             <a:avLst/>
           </a:prstGeom>
         </p:spPr>
         <p:txBody>
-          <a:bodyPr vert="horz" lIns="91440" tIns="45720" rIns="91440" bIns="45720" rtlCol="0" anchor="ctr"/>
+          <a:bodyPr vert="horz" lIns="91440" tIns="45720" rIns="45720" bIns="45720" rtlCol="0" anchor="ctr"/>
           <a:lstStyle>
             <a:lvl1pPr algn="l">
-              <a:defRPr sz="1200">
+              <a:defRPr sz="1050">
                 <a:solidFill>
-                  <a:schemeClr val="tx1">
-                    <a:tint val="75000"/>
-                  </a:schemeClr>
+                  <a:schemeClr val="tx1"/>
                 </a:solidFill>
               </a:defRPr>
             </a:lvl1pPr>
@@ -2586,7 +2918,7 @@
           <a:p>
             <a:fld id="{BEF24578-C6E4-45D1-B38A-AA40C59657BA}" type="datetimeFigureOut">
               <a:rPr lang="en-IN" smtClean="0"/>
-              <a:t>22-04-2021</a:t>
+              <a:t>25-04-2021</a:t>
             </a:fld>
             <a:endParaRPr lang="en-IN"/>
           </a:p>
@@ -2604,8 +2936,8 @@
         </p:nvSpPr>
         <p:spPr>
           <a:xfrm>
-            <a:off x="4038600" y="6356350"/>
-            <a:ext cx="4114800" cy="365125"/>
+            <a:off x="5596471" y="6422854"/>
+            <a:ext cx="5044440" cy="365125"/>
           </a:xfrm>
           <a:prstGeom prst="rect">
             <a:avLst/>
@@ -2614,12 +2946,10 @@
         <p:txBody>
           <a:bodyPr vert="horz" lIns="91440" tIns="45720" rIns="91440" bIns="45720" rtlCol="0" anchor="ctr"/>
           <a:lstStyle>
-            <a:lvl1pPr algn="ctr">
-              <a:defRPr sz="1200">
+            <a:lvl1pPr algn="r">
+              <a:defRPr sz="1050">
                 <a:solidFill>
-                  <a:schemeClr val="tx1">
-                    <a:tint val="75000"/>
-                  </a:schemeClr>
+                  <a:schemeClr val="tx1"/>
                 </a:solidFill>
               </a:defRPr>
             </a:lvl1pPr>
@@ -2641,22 +2971,20 @@
         </p:nvSpPr>
         <p:spPr>
           <a:xfrm>
-            <a:off x="8610600" y="6356350"/>
-            <a:ext cx="2743200" cy="365125"/>
+            <a:off x="10658927" y="6422854"/>
+            <a:ext cx="946264" cy="365125"/>
           </a:xfrm>
           <a:prstGeom prst="rect">
             <a:avLst/>
           </a:prstGeom>
         </p:spPr>
         <p:txBody>
-          <a:bodyPr vert="horz" lIns="91440" tIns="45720" rIns="91440" bIns="45720" rtlCol="0" anchor="ctr"/>
+          <a:bodyPr vert="horz" lIns="45720" tIns="45720" rIns="91440" bIns="45720" rtlCol="0" anchor="ctr"/>
           <a:lstStyle>
-            <a:lvl1pPr algn="r">
-              <a:defRPr sz="1200">
+            <a:lvl1pPr algn="l">
+              <a:defRPr sz="1200" b="0">
                 <a:solidFill>
-                  <a:schemeClr val="tx1">
-                    <a:tint val="75000"/>
-                  </a:schemeClr>
+                  <a:schemeClr val="tx1"/>
                 </a:solidFill>
               </a:defRPr>
             </a:lvl1pPr>
@@ -2673,37 +3001,37 @@
     </p:spTree>
     <p:extLst>
       <p:ext uri="{BB962C8B-B14F-4D97-AF65-F5344CB8AC3E}">
-        <p14:creationId xmlns:p14="http://schemas.microsoft.com/office/powerpoint/2010/main" val="3885901766"/>
+        <p14:creationId xmlns:p14="http://schemas.microsoft.com/office/powerpoint/2010/main" val="384355831"/>
       </p:ext>
     </p:extLst>
   </p:cSld>
-  <p:clrMap bg1="lt1" tx1="dk1" bg2="lt2" tx2="dk2" accent1="accent1" accent2="accent2" accent3="accent3" accent4="accent4" accent5="accent5" accent6="accent6" hlink="hlink" folHlink="folHlink"/>
+  <p:clrMap bg1="dk1" tx1="lt1" bg2="dk2" tx2="lt2" accent1="accent1" accent2="accent2" accent3="accent3" accent4="accent4" accent5="accent5" accent6="accent6" hlink="hlink" folHlink="folHlink"/>
   <p:sldLayoutIdLst>
-    <p:sldLayoutId id="2147483649" r:id="rId1"/>
-    <p:sldLayoutId id="2147483650" r:id="rId2"/>
-    <p:sldLayoutId id="2147483651" r:id="rId3"/>
-    <p:sldLayoutId id="2147483652" r:id="rId4"/>
-    <p:sldLayoutId id="2147483653" r:id="rId5"/>
-    <p:sldLayoutId id="2147483654" r:id="rId6"/>
-    <p:sldLayoutId id="2147483655" r:id="rId7"/>
-    <p:sldLayoutId id="2147483656" r:id="rId8"/>
-    <p:sldLayoutId id="2147483657" r:id="rId9"/>
-    <p:sldLayoutId id="2147483658" r:id="rId10"/>
-    <p:sldLayoutId id="2147483659" r:id="rId11"/>
+    <p:sldLayoutId id="2147483679" r:id="rId1"/>
+    <p:sldLayoutId id="2147483680" r:id="rId2"/>
+    <p:sldLayoutId id="2147483681" r:id="rId3"/>
+    <p:sldLayoutId id="2147483682" r:id="rId4"/>
+    <p:sldLayoutId id="2147483683" r:id="rId5"/>
+    <p:sldLayoutId id="2147483684" r:id="rId6"/>
+    <p:sldLayoutId id="2147483685" r:id="rId7"/>
+    <p:sldLayoutId id="2147483686" r:id="rId8"/>
+    <p:sldLayoutId id="2147483687" r:id="rId9"/>
+    <p:sldLayoutId id="2147483688" r:id="rId10"/>
+    <p:sldLayoutId id="2147483689" r:id="rId11"/>
   </p:sldLayoutIdLst>
   <p:txStyles>
     <p:titleStyle>
       <a:lvl1pPr algn="l" defTabSz="914400" rtl="0" eaLnBrk="1" latinLnBrk="0" hangingPunct="1">
         <a:lnSpc>
-          <a:spcPct val="90000"/>
+          <a:spcPct val="85000"/>
         </a:lnSpc>
         <a:spcBef>
           <a:spcPct val="0"/>
         </a:spcBef>
         <a:buNone/>
-        <a:defRPr sz="4400" kern="1200">
+        <a:defRPr sz="4000" kern="1200" cap="all" baseline="0">
           <a:solidFill>
-            <a:schemeClr val="tx1"/>
+            <a:schemeClr val="bg2"/>
           </a:solidFill>
           <a:latin typeface="+mj-lt"/>
           <a:ea typeface="+mj-ea"/>
@@ -2712,16 +3040,22 @@
       </a:lvl1pPr>
     </p:titleStyle>
     <p:bodyStyle>
-      <a:lvl1pPr marL="228600" indent="-228600" algn="l" defTabSz="914400" rtl="0" eaLnBrk="1" latinLnBrk="0" hangingPunct="1">
+      <a:lvl1pPr marL="182880" indent="-182880" algn="l" defTabSz="914400" rtl="0" eaLnBrk="1" latinLnBrk="0" hangingPunct="1">
         <a:lnSpc>
           <a:spcPct val="90000"/>
         </a:lnSpc>
         <a:spcBef>
-          <a:spcPts val="1000"/>
+          <a:spcPts val="1200"/>
         </a:spcBef>
-        <a:buFont typeface="Arial" panose="020B0604020202020204" pitchFamily="34" charset="0"/>
-        <a:buChar char="•"/>
-        <a:defRPr sz="2800" kern="1200">
+        <a:spcAft>
+          <a:spcPts val="200"/>
+        </a:spcAft>
+        <a:buClr>
+          <a:schemeClr val="tx1"/>
+        </a:buClr>
+        <a:buFont typeface="Wingdings" pitchFamily="2" charset="2"/>
+        <a:buChar char=""/>
+        <a:defRPr sz="2200" kern="1200">
           <a:solidFill>
             <a:schemeClr val="tx1"/>
           </a:solidFill>
@@ -2730,16 +3064,22 @@
           <a:cs typeface="+mn-cs"/>
         </a:defRPr>
       </a:lvl1pPr>
-      <a:lvl2pPr marL="685800" indent="-228600" algn="l" defTabSz="914400" rtl="0" eaLnBrk="1" latinLnBrk="0" hangingPunct="1">
+      <a:lvl2pPr marL="411480" indent="-182880" algn="l" defTabSz="914400" rtl="0" eaLnBrk="1" latinLnBrk="0" hangingPunct="1">
         <a:lnSpc>
           <a:spcPct val="90000"/>
         </a:lnSpc>
         <a:spcBef>
-          <a:spcPts val="500"/>
+          <a:spcPts val="200"/>
         </a:spcBef>
-        <a:buFont typeface="Arial" panose="020B0604020202020204" pitchFamily="34" charset="0"/>
-        <a:buChar char="•"/>
-        <a:defRPr sz="2400" kern="1200">
+        <a:spcAft>
+          <a:spcPts val="400"/>
+        </a:spcAft>
+        <a:buClr>
+          <a:schemeClr val="tx1"/>
+        </a:buClr>
+        <a:buFont typeface="Wingdings" pitchFamily="2" charset="2"/>
+        <a:buChar char=""/>
+        <a:defRPr sz="2000" kern="1200">
           <a:solidFill>
             <a:schemeClr val="tx1"/>
           </a:solidFill>
@@ -2748,16 +3088,22 @@
           <a:cs typeface="+mn-cs"/>
         </a:defRPr>
       </a:lvl2pPr>
-      <a:lvl3pPr marL="1143000" indent="-228600" algn="l" defTabSz="914400" rtl="0" eaLnBrk="1" latinLnBrk="0" hangingPunct="1">
+      <a:lvl3pPr marL="640080" indent="-182880" algn="l" defTabSz="914400" rtl="0" eaLnBrk="1" latinLnBrk="0" hangingPunct="1">
         <a:lnSpc>
           <a:spcPct val="90000"/>
         </a:lnSpc>
         <a:spcBef>
-          <a:spcPts val="500"/>
+          <a:spcPts val="200"/>
         </a:spcBef>
-        <a:buFont typeface="Arial" panose="020B0604020202020204" pitchFamily="34" charset="0"/>
-        <a:buChar char="•"/>
-        <a:defRPr sz="2000" kern="1200">
+        <a:spcAft>
+          <a:spcPts val="400"/>
+        </a:spcAft>
+        <a:buClr>
+          <a:schemeClr val="tx1"/>
+        </a:buClr>
+        <a:buFont typeface="Wingdings" pitchFamily="2" charset="2"/>
+        <a:buChar char=""/>
+        <a:defRPr sz="1800" kern="1200">
           <a:solidFill>
             <a:schemeClr val="tx1"/>
           </a:solidFill>
@@ -2766,16 +3112,22 @@
           <a:cs typeface="+mn-cs"/>
         </a:defRPr>
       </a:lvl3pPr>
-      <a:lvl4pPr marL="1600200" indent="-228600" algn="l" defTabSz="914400" rtl="0" eaLnBrk="1" latinLnBrk="0" hangingPunct="1">
+      <a:lvl4pPr marL="868680" indent="-182880" algn="l" defTabSz="914400" rtl="0" eaLnBrk="1" latinLnBrk="0" hangingPunct="1">
         <a:lnSpc>
           <a:spcPct val="90000"/>
         </a:lnSpc>
         <a:spcBef>
-          <a:spcPts val="500"/>
+          <a:spcPts val="200"/>
         </a:spcBef>
-        <a:buFont typeface="Arial" panose="020B0604020202020204" pitchFamily="34" charset="0"/>
-        <a:buChar char="•"/>
-        <a:defRPr sz="1800" kern="1200">
+        <a:spcAft>
+          <a:spcPts val="400"/>
+        </a:spcAft>
+        <a:buClr>
+          <a:schemeClr val="tx1"/>
+        </a:buClr>
+        <a:buFont typeface="Wingdings" pitchFamily="2" charset="2"/>
+        <a:buChar char=""/>
+        <a:defRPr sz="1600" kern="1200">
           <a:solidFill>
             <a:schemeClr val="tx1"/>
           </a:solidFill>
@@ -2784,16 +3136,22 @@
           <a:cs typeface="+mn-cs"/>
         </a:defRPr>
       </a:lvl4pPr>
-      <a:lvl5pPr marL="2057400" indent="-228600" algn="l" defTabSz="914400" rtl="0" eaLnBrk="1" latinLnBrk="0" hangingPunct="1">
+      <a:lvl5pPr marL="1097280" indent="-182880" algn="l" defTabSz="914400" rtl="0" eaLnBrk="1" latinLnBrk="0" hangingPunct="1">
         <a:lnSpc>
           <a:spcPct val="90000"/>
         </a:lnSpc>
         <a:spcBef>
-          <a:spcPts val="500"/>
+          <a:spcPts val="200"/>
         </a:spcBef>
-        <a:buFont typeface="Arial" panose="020B0604020202020204" pitchFamily="34" charset="0"/>
-        <a:buChar char="•"/>
-        <a:defRPr sz="1800" kern="1200">
+        <a:spcAft>
+          <a:spcPts val="400"/>
+        </a:spcAft>
+        <a:buClr>
+          <a:schemeClr val="tx1"/>
+        </a:buClr>
+        <a:buFont typeface="Wingdings" pitchFamily="2" charset="2"/>
+        <a:buChar char=""/>
+        <a:defRPr sz="1600" kern="1200">
           <a:solidFill>
             <a:schemeClr val="tx1"/>
           </a:solidFill>
@@ -2802,16 +3160,22 @@
           <a:cs typeface="+mn-cs"/>
         </a:defRPr>
       </a:lvl5pPr>
-      <a:lvl6pPr marL="2514600" indent="-228600" algn="l" defTabSz="914400" rtl="0" eaLnBrk="1" latinLnBrk="0" hangingPunct="1">
+      <a:lvl6pPr marL="1284600" indent="-228600" algn="l" defTabSz="914400" rtl="0" eaLnBrk="1" latinLnBrk="0" hangingPunct="1">
         <a:lnSpc>
           <a:spcPct val="90000"/>
         </a:lnSpc>
         <a:spcBef>
-          <a:spcPts val="500"/>
+          <a:spcPts val="200"/>
         </a:spcBef>
-        <a:buFont typeface="Arial" panose="020B0604020202020204" pitchFamily="34" charset="0"/>
-        <a:buChar char="•"/>
-        <a:defRPr sz="1800" kern="1200">
+        <a:spcAft>
+          <a:spcPts val="400"/>
+        </a:spcAft>
+        <a:buClr>
+          <a:schemeClr val="tx1"/>
+        </a:buClr>
+        <a:buFont typeface="Wingdings" pitchFamily="2" charset="2"/>
+        <a:buChar char=""/>
+        <a:defRPr sz="1600" kern="1200">
           <a:solidFill>
             <a:schemeClr val="tx1"/>
           </a:solidFill>
@@ -2820,16 +3184,22 @@
           <a:cs typeface="+mn-cs"/>
         </a:defRPr>
       </a:lvl6pPr>
-      <a:lvl7pPr marL="2971800" indent="-228600" algn="l" defTabSz="914400" rtl="0" eaLnBrk="1" latinLnBrk="0" hangingPunct="1">
+      <a:lvl7pPr marL="1471800" indent="-228600" algn="l" defTabSz="914400" rtl="0" eaLnBrk="1" latinLnBrk="0" hangingPunct="1">
         <a:lnSpc>
           <a:spcPct val="90000"/>
         </a:lnSpc>
         <a:spcBef>
-          <a:spcPts val="500"/>
+          <a:spcPts val="200"/>
         </a:spcBef>
-        <a:buFont typeface="Arial" panose="020B0604020202020204" pitchFamily="34" charset="0"/>
-        <a:buChar char="•"/>
-        <a:defRPr sz="1800" kern="1200">
+        <a:spcAft>
+          <a:spcPts val="400"/>
+        </a:spcAft>
+        <a:buClr>
+          <a:schemeClr val="tx1"/>
+        </a:buClr>
+        <a:buFont typeface="Wingdings" pitchFamily="2" charset="2"/>
+        <a:buChar char=""/>
+        <a:defRPr sz="1600" kern="1200">
           <a:solidFill>
             <a:schemeClr val="tx1"/>
           </a:solidFill>
@@ -2838,16 +3208,22 @@
           <a:cs typeface="+mn-cs"/>
         </a:defRPr>
       </a:lvl7pPr>
-      <a:lvl8pPr marL="3429000" indent="-228600" algn="l" defTabSz="914400" rtl="0" eaLnBrk="1" latinLnBrk="0" hangingPunct="1">
+      <a:lvl8pPr marL="1629000" indent="-228600" algn="l" defTabSz="914400" rtl="0" eaLnBrk="1" latinLnBrk="0" hangingPunct="1">
         <a:lnSpc>
           <a:spcPct val="90000"/>
         </a:lnSpc>
         <a:spcBef>
-          <a:spcPts val="500"/>
+          <a:spcPts val="200"/>
         </a:spcBef>
-        <a:buFont typeface="Arial" panose="020B0604020202020204" pitchFamily="34" charset="0"/>
-        <a:buChar char="•"/>
-        <a:defRPr sz="1800" kern="1200">
+        <a:spcAft>
+          <a:spcPts val="400"/>
+        </a:spcAft>
+        <a:buClr>
+          <a:schemeClr val="tx1"/>
+        </a:buClr>
+        <a:buFont typeface="Wingdings" pitchFamily="2" charset="2"/>
+        <a:buChar char=""/>
+        <a:defRPr sz="1600" kern="1200">
           <a:solidFill>
             <a:schemeClr val="tx1"/>
           </a:solidFill>
@@ -2856,16 +3232,22 @@
           <a:cs typeface="+mn-cs"/>
         </a:defRPr>
       </a:lvl8pPr>
-      <a:lvl9pPr marL="3886200" indent="-228600" algn="l" defTabSz="914400" rtl="0" eaLnBrk="1" latinLnBrk="0" hangingPunct="1">
+      <a:lvl9pPr marL="1806200" indent="-228600" algn="l" defTabSz="914400" rtl="0" eaLnBrk="1" latinLnBrk="0" hangingPunct="1">
         <a:lnSpc>
           <a:spcPct val="90000"/>
         </a:lnSpc>
         <a:spcBef>
-          <a:spcPts val="500"/>
+          <a:spcPts val="200"/>
         </a:spcBef>
-        <a:buFont typeface="Arial" panose="020B0604020202020204" pitchFamily="34" charset="0"/>
-        <a:buChar char="•"/>
-        <a:defRPr sz="1800" kern="1200">
+        <a:spcAft>
+          <a:spcPts val="400"/>
+        </a:spcAft>
+        <a:buClr>
+          <a:schemeClr val="tx1"/>
+        </a:buClr>
+        <a:buFont typeface="Wingdings" pitchFamily="2" charset="2"/>
+        <a:buChar char=""/>
+        <a:defRPr sz="1600" kern="1200">
           <a:solidFill>
             <a:schemeClr val="tx1"/>
           </a:solidFill>
@@ -3007,7 +3389,7 @@
           <a:lstStyle/>
           <a:p>
             <a:r>
-              <a:rPr lang="en-US" dirty="0" smtClean="0"/>
+              <a:rPr lang="en-US" dirty="0"/>
               <a:t>JSON vs XML</a:t>
             </a:r>
             <a:endParaRPr lang="en-IN" dirty="0"/>
@@ -3079,7 +3461,7 @@
           <a:lstStyle/>
           <a:p>
             <a:r>
-              <a:rPr lang="en-US" dirty="0" smtClean="0"/>
+              <a:rPr lang="en-US" dirty="0"/>
               <a:t>JSON (JavaScript Object Notation)</a:t>
             </a:r>
             <a:endParaRPr lang="en-IN" dirty="0"/>
@@ -3102,30 +3484,30 @@
           <a:lstStyle/>
           <a:p>
             <a:r>
-              <a:rPr lang="en-US" dirty="0" smtClean="0"/>
+              <a:rPr lang="en-US" dirty="0"/>
               <a:t>Data Representation Format</a:t>
             </a:r>
           </a:p>
           <a:p>
             <a:r>
-              <a:rPr lang="en-US" dirty="0" smtClean="0"/>
+              <a:rPr lang="en-US" dirty="0"/>
               <a:t>Commonly Used for APIs and </a:t>
             </a:r>
             <a:r>
-              <a:rPr lang="en-US" dirty="0" err="1" smtClean="0"/>
+              <a:rPr lang="en-US" dirty="0" err="1"/>
               <a:t>Configs</a:t>
             </a:r>
-            <a:endParaRPr lang="en-US" dirty="0" smtClean="0"/>
-          </a:p>
-          <a:p>
-            <a:r>
-              <a:rPr lang="en-US" dirty="0" smtClean="0"/>
+            <a:endParaRPr lang="en-US" dirty="0"/>
+          </a:p>
+          <a:p>
+            <a:r>
+              <a:rPr lang="en-US" dirty="0"/>
               <a:t>Lightweight and Easy to Read/Write</a:t>
             </a:r>
           </a:p>
           <a:p>
             <a:r>
-              <a:rPr lang="en-US" dirty="0" smtClean="0"/>
+              <a:rPr lang="en-US" dirty="0"/>
               <a:t>Integrates Easily with most Programing language</a:t>
             </a:r>
             <a:endParaRPr lang="en-IN" dirty="0"/>
@@ -3178,7 +3560,7 @@
           <a:lstStyle/>
           <a:p>
             <a:r>
-              <a:rPr lang="en-US" dirty="0" smtClean="0"/>
+              <a:rPr lang="en-US" dirty="0"/>
               <a:t>JSON Types</a:t>
             </a:r>
             <a:endParaRPr lang="en-IN" dirty="0"/>
@@ -3201,42 +3583,42 @@
           <a:lstStyle/>
           <a:p>
             <a:r>
-              <a:rPr lang="en-US" dirty="0" smtClean="0"/>
+              <a:rPr lang="en-US" dirty="0"/>
               <a:t>Strings                  “Hello World”     “I”</a:t>
             </a:r>
           </a:p>
           <a:p>
             <a:r>
-              <a:rPr lang="en-US" dirty="0" smtClean="0"/>
+              <a:rPr lang="en-US" dirty="0"/>
               <a:t>Numbers               10   1.5  -30  1.2e10</a:t>
             </a:r>
           </a:p>
           <a:p>
             <a:r>
-              <a:rPr lang="en-US" dirty="0" smtClean="0"/>
+              <a:rPr lang="en-US" dirty="0"/>
               <a:t>Booleans                True False</a:t>
             </a:r>
           </a:p>
           <a:p>
             <a:r>
-              <a:rPr lang="en-US" dirty="0" smtClean="0"/>
+              <a:rPr lang="en-US" dirty="0"/>
               <a:t>Null                          </a:t>
             </a:r>
             <a:r>
-              <a:rPr lang="en-US" dirty="0" err="1" smtClean="0"/>
+              <a:rPr lang="en-US" dirty="0" err="1"/>
               <a:t>Null</a:t>
             </a:r>
-            <a:endParaRPr lang="en-US" dirty="0" smtClean="0"/>
-          </a:p>
-          <a:p>
-            <a:r>
-              <a:rPr lang="en-US" dirty="0" smtClean="0"/>
+            <a:endParaRPr lang="en-US" dirty="0"/>
+          </a:p>
+          <a:p>
+            <a:r>
+              <a:rPr lang="en-US" dirty="0"/>
               <a:t>Arrays                      [1,2,3] [“Hello”, “World”]</a:t>
             </a:r>
           </a:p>
           <a:p>
             <a:r>
-              <a:rPr lang="en-US" dirty="0" smtClean="0"/>
+              <a:rPr lang="en-US" dirty="0"/>
               <a:t>Objects                    { “key” : “Values”}         {“age” : 30 }</a:t>
             </a:r>
           </a:p>
@@ -3294,7 +3676,7 @@
           <a:lstStyle/>
           <a:p>
             <a:r>
-              <a:rPr lang="en-US" dirty="0" err="1" smtClean="0"/>
+              <a:rPr lang="en-US" dirty="0" err="1"/>
               <a:t>User.json</a:t>
             </a:r>
             <a:endParaRPr lang="en-IN" dirty="0"/>
@@ -3325,8 +3707,8 @@
         </p:blipFill>
         <p:spPr>
           <a:xfrm>
-            <a:off x="190882" y="376204"/>
-            <a:ext cx="11792571" cy="6260663"/>
+            <a:off x="0" y="274866"/>
+            <a:ext cx="12192000" cy="6362002"/>
           </a:xfrm>
         </p:spPr>
       </p:pic>
@@ -3376,7 +3758,7 @@
           <a:lstStyle/>
           <a:p>
             <a:r>
-              <a:rPr lang="en-US" dirty="0" smtClean="0"/>
+              <a:rPr lang="en-US" dirty="0"/>
               <a:t>XML (</a:t>
             </a:r>
             <a:r>
@@ -3393,13 +3775,8 @@
             </a:r>
             <a:r>
               <a:rPr lang="en-IN" dirty="0"/>
-              <a:t> </a:t>
-            </a:r>
-            <a:r>
-              <a:rPr lang="en-IN" dirty="0" smtClean="0"/>
-              <a:t>Language)</a:t>
-            </a:r>
-            <a:endParaRPr lang="en-IN" dirty="0"/>
+              <a:t> Language)</a:t>
+            </a:r>
           </a:p>
         </p:txBody>
       </p:sp>
@@ -3436,7 +3813,7 @@
             </a:r>
           </a:p>
           <a:p>
-            <a:endParaRPr lang="en-US" dirty="0" smtClean="0"/>
+            <a:endParaRPr lang="en-US" dirty="0"/>
           </a:p>
         </p:txBody>
       </p:sp>
@@ -3485,7 +3862,10 @@
           <a:bodyPr/>
           <a:lstStyle/>
           <a:p>
-            <a:endParaRPr lang="en-IN"/>
+            <a:r>
+              <a:rPr lang="en-IN" dirty="0"/>
+              <a:t>XML Example</a:t>
+            </a:r>
           </a:p>
         </p:txBody>
       </p:sp>
@@ -3508,12 +3888,8 @@
               <a:rPr lang="en-US" dirty="0"/>
               <a:t>&lt;note&gt;</a:t>
             </a:r>
-            <a:r>
-              <a:rPr lang="en-US" dirty="0" smtClean="0"/>
-              <a:t/>
-            </a:r>
             <a:br>
-              <a:rPr lang="en-US" dirty="0" smtClean="0"/>
+              <a:rPr lang="en-US" dirty="0"/>
             </a:br>
             <a:r>
               <a:rPr lang="en-US" dirty="0"/>
@@ -3527,12 +3903,8 @@
               <a:rPr lang="en-US" dirty="0"/>
               <a:t>&lt;/to&gt;</a:t>
             </a:r>
-            <a:r>
-              <a:rPr lang="en-US" dirty="0" smtClean="0"/>
-              <a:t/>
-            </a:r>
             <a:br>
-              <a:rPr lang="en-US" dirty="0" smtClean="0"/>
+              <a:rPr lang="en-US" dirty="0"/>
             </a:br>
             <a:r>
               <a:rPr lang="en-US" dirty="0"/>
@@ -3546,42 +3918,26 @@
               <a:rPr lang="en-US" dirty="0"/>
               <a:t>&lt;/from&gt;</a:t>
             </a:r>
-            <a:r>
-              <a:rPr lang="en-US" dirty="0" smtClean="0"/>
-              <a:t/>
-            </a:r>
             <a:br>
-              <a:rPr lang="en-US" dirty="0" smtClean="0"/>
+              <a:rPr lang="en-US" dirty="0"/>
             </a:br>
             <a:r>
               <a:rPr lang="en-US" dirty="0"/>
               <a:t>  &lt;heading&gt;Reminder&lt;/heading&gt;</a:t>
             </a:r>
-            <a:r>
-              <a:rPr lang="en-US" dirty="0" smtClean="0"/>
-              <a:t/>
-            </a:r>
             <a:br>
-              <a:rPr lang="en-US" dirty="0" smtClean="0"/>
+              <a:rPr lang="en-US" dirty="0"/>
             </a:br>
             <a:r>
               <a:rPr lang="en-US" dirty="0"/>
               <a:t>  &lt;body&gt;Don't forget me this weekend!&lt;/body&gt;</a:t>
             </a:r>
-            <a:r>
-              <a:rPr lang="en-US" dirty="0" smtClean="0"/>
-              <a:t/>
-            </a:r>
             <a:br>
-              <a:rPr lang="en-US" dirty="0" smtClean="0"/>
+              <a:rPr lang="en-US" dirty="0"/>
             </a:br>
             <a:r>
               <a:rPr lang="en-US" dirty="0"/>
-              <a:t>&lt;/</a:t>
-            </a:r>
-            <a:r>
-              <a:rPr lang="en-US" dirty="0" smtClean="0"/>
-              <a:t>note&gt;</a:t>
+              <a:t>&lt;/note&gt;</a:t>
             </a:r>
           </a:p>
           <a:p>
@@ -3902,11 +4258,7 @@
             </a:r>
             <a:r>
               <a:rPr lang="en-US"/>
-              <a:t>than </a:t>
-            </a:r>
-            <a:r>
-              <a:rPr lang="en-US" smtClean="0"/>
-              <a:t>JSON.JSON </a:t>
+              <a:t>than JSON.JSON </a:t>
             </a:r>
             <a:r>
               <a:rPr lang="en-US" dirty="0"/>
@@ -3992,93 +4344,58 @@
 </file>
 
 <file path=ppt/theme/theme1.xml><?xml version="1.0" encoding="utf-8"?>
-<a:theme xmlns:a="http://schemas.openxmlformats.org/drawingml/2006/main" name="Office Theme">
+<a:theme xmlns:a="http://schemas.openxmlformats.org/drawingml/2006/main" name="Banded">
   <a:themeElements>
-    <a:clrScheme name="Office">
+    <a:clrScheme name="Banded">
       <a:dk1>
-        <a:sysClr val="windowText" lastClr="000000"/>
+        <a:srgbClr val="2C2C2C"/>
       </a:dk1>
       <a:lt1>
-        <a:sysClr val="window" lastClr="FFFFFF"/>
+        <a:srgbClr val="FFFFFF"/>
       </a:lt1>
       <a:dk2>
-        <a:srgbClr val="44546A"/>
+        <a:srgbClr val="099BDD"/>
       </a:dk2>
       <a:lt2>
-        <a:srgbClr val="E7E6E6"/>
+        <a:srgbClr val="F2F2F2"/>
       </a:lt2>
       <a:accent1>
-        <a:srgbClr val="5B9BD5"/>
+        <a:srgbClr val="FFC000"/>
       </a:accent1>
       <a:accent2>
-        <a:srgbClr val="ED7D31"/>
+        <a:srgbClr val="A5D028"/>
       </a:accent2>
       <a:accent3>
-        <a:srgbClr val="A5A5A5"/>
+        <a:srgbClr val="08CC78"/>
       </a:accent3>
       <a:accent4>
-        <a:srgbClr val="FFC000"/>
+        <a:srgbClr val="F24099"/>
       </a:accent4>
       <a:accent5>
-        <a:srgbClr val="4472C4"/>
+        <a:srgbClr val="828288"/>
       </a:accent5>
       <a:accent6>
-        <a:srgbClr val="70AD47"/>
+        <a:srgbClr val="F56617"/>
       </a:accent6>
       <a:hlink>
-        <a:srgbClr val="0563C1"/>
+        <a:srgbClr val="005DBA"/>
       </a:hlink>
       <a:folHlink>
-        <a:srgbClr val="954F72"/>
+        <a:srgbClr val="6C606A"/>
       </a:folHlink>
     </a:clrScheme>
-    <a:fontScheme name="Office">
+    <a:fontScheme name="Banded">
       <a:majorFont>
-        <a:latin typeface="Calibri Light" panose="020F0302020204030204"/>
+        <a:latin typeface="Corbel" panose="020B0503020204020204"/>
         <a:ea typeface=""/>
         <a:cs typeface=""/>
-        <a:font script="Jpan" typeface="游ゴシック Light"/>
+        <a:font script="Jpan" typeface="ＭＳ ゴシック"/>
         <a:font script="Hang" typeface="맑은 고딕"/>
-        <a:font script="Hans" typeface="等线 Light"/>
+        <a:font script="Hans" typeface="宋体"/>
         <a:font script="Hant" typeface="新細明體"/>
-        <a:font script="Arab" typeface="Times New Roman"/>
-        <a:font script="Hebr" typeface="Times New Roman"/>
-        <a:font script="Thai" typeface="Angsana New"/>
-        <a:font script="Ethi" typeface="Nyala"/>
-        <a:font script="Beng" typeface="Vrinda"/>
-        <a:font script="Gujr" typeface="Shruti"/>
-        <a:font script="Khmr" typeface="MoolBoran"/>
-        <a:font script="Knda" typeface="Tunga"/>
-        <a:font script="Guru" typeface="Raavi"/>
-        <a:font script="Cans" typeface="Euphemia"/>
-        <a:font script="Cher" typeface="Plantagenet Cherokee"/>
-        <a:font script="Yiii" typeface="Microsoft Yi Baiti"/>
-        <a:font script="Tibt" typeface="Microsoft Himalaya"/>
-        <a:font script="Thaa" typeface="MV Boli"/>
-        <a:font script="Deva" typeface="Mangal"/>
-        <a:font script="Telu" typeface="Gautami"/>
-        <a:font script="Taml" typeface="Latha"/>
-        <a:font script="Syrc" typeface="Estrangelo Edessa"/>
-        <a:font script="Orya" typeface="Kalinga"/>
-        <a:font script="Mlym" typeface="Kartika"/>
-        <a:font script="Laoo" typeface="DokChampa"/>
-        <a:font script="Sinh" typeface="Iskoola Pota"/>
-        <a:font script="Mong" typeface="Mongolian Baiti"/>
-        <a:font script="Viet" typeface="Times New Roman"/>
-        <a:font script="Uigh" typeface="Microsoft Uighur"/>
-        <a:font script="Geor" typeface="Sylfaen"/>
-      </a:majorFont>
-      <a:minorFont>
-        <a:latin typeface="Calibri" panose="020F0502020204030204"/>
-        <a:ea typeface=""/>
-        <a:cs typeface=""/>
-        <a:font script="Jpan" typeface="游ゴシック"/>
-        <a:font script="Hang" typeface="맑은 고딕"/>
-        <a:font script="Hans" typeface="等线"/>
-        <a:font script="Hant" typeface="新細明體"/>
-        <a:font script="Arab" typeface="Arial"/>
-        <a:font script="Hebr" typeface="Arial"/>
-        <a:font script="Thai" typeface="Cordia New"/>
+        <a:font script="Arab" typeface="Tahoma"/>
+        <a:font script="Hebr" typeface="Gisha"/>
+        <a:font script="Thai" typeface="DilleniaUPC"/>
         <a:font script="Ethi" typeface="Nyala"/>
         <a:font script="Beng" typeface="Vrinda"/>
         <a:font script="Gujr" typeface="Shruti"/>
@@ -4099,12 +4416,47 @@
         <a:font script="Laoo" typeface="DokChampa"/>
         <a:font script="Sinh" typeface="Iskoola Pota"/>
         <a:font script="Mong" typeface="Mongolian Baiti"/>
-        <a:font script="Viet" typeface="Arial"/>
+        <a:font script="Viet" typeface="Tahoma"/>
+        <a:font script="Uigh" typeface="Microsoft Uighur"/>
+        <a:font script="Geor" typeface="Sylfaen"/>
+      </a:majorFont>
+      <a:minorFont>
+        <a:latin typeface="Corbel" panose="020B0503020204020204"/>
+        <a:ea typeface=""/>
+        <a:cs typeface=""/>
+        <a:font script="Jpan" typeface="ＭＳ ゴシック"/>
+        <a:font script="Hang" typeface="맑은 고딕"/>
+        <a:font script="Hans" typeface="宋体"/>
+        <a:font script="Hant" typeface="新細明體"/>
+        <a:font script="Arab" typeface="Tahoma"/>
+        <a:font script="Hebr" typeface="Gisha"/>
+        <a:font script="Thai" typeface="DilleniaUPC"/>
+        <a:font script="Ethi" typeface="Nyala"/>
+        <a:font script="Beng" typeface="Vrinda"/>
+        <a:font script="Gujr" typeface="Shruti"/>
+        <a:font script="Khmr" typeface="DaunPenh"/>
+        <a:font script="Knda" typeface="Tunga"/>
+        <a:font script="Guru" typeface="Raavi"/>
+        <a:font script="Cans" typeface="Euphemia"/>
+        <a:font script="Cher" typeface="Plantagenet Cherokee"/>
+        <a:font script="Yiii" typeface="Microsoft Yi Baiti"/>
+        <a:font script="Tibt" typeface="Microsoft Himalaya"/>
+        <a:font script="Thaa" typeface="MV Boli"/>
+        <a:font script="Deva" typeface="Mangal"/>
+        <a:font script="Telu" typeface="Gautami"/>
+        <a:font script="Taml" typeface="Latha"/>
+        <a:font script="Syrc" typeface="Estrangelo Edessa"/>
+        <a:font script="Orya" typeface="Kalinga"/>
+        <a:font script="Mlym" typeface="Kartika"/>
+        <a:font script="Laoo" typeface="DokChampa"/>
+        <a:font script="Sinh" typeface="Iskoola Pota"/>
+        <a:font script="Mong" typeface="Mongolian Baiti"/>
+        <a:font script="Viet" typeface="Verdana"/>
         <a:font script="Uigh" typeface="Microsoft Uighur"/>
         <a:font script="Geor" typeface="Sylfaen"/>
       </a:minorFont>
     </a:fontScheme>
-    <a:fmtScheme name="Office">
+    <a:fmtScheme name="Banded">
       <a:fillStyleLst>
         <a:solidFill>
           <a:schemeClr val="phClr"/>
@@ -4113,23 +4465,23 @@
           <a:gsLst>
             <a:gs pos="0">
               <a:schemeClr val="phClr">
-                <a:lumMod val="110000"/>
-                <a:satMod val="105000"/>
-                <a:tint val="67000"/>
+                <a:tint val="65000"/>
+                <a:satMod val="120000"/>
+                <a:lumMod val="107000"/>
               </a:schemeClr>
             </a:gs>
             <a:gs pos="50000">
               <a:schemeClr val="phClr">
-                <a:lumMod val="105000"/>
-                <a:satMod val="103000"/>
-                <a:tint val="73000"/>
+                <a:tint val="70000"/>
+                <a:satMod val="124000"/>
+                <a:lumMod val="103000"/>
               </a:schemeClr>
             </a:gs>
             <a:gs pos="100000">
               <a:schemeClr val="phClr">
-                <a:lumMod val="105000"/>
-                <a:satMod val="109000"/>
-                <a:tint val="81000"/>
+                <a:tint val="85000"/>
+                <a:satMod val="120000"/>
+                <a:lumMod val="100000"/>
               </a:schemeClr>
             </a:gs>
           </a:gsLst>
@@ -4139,23 +4491,24 @@
           <a:gsLst>
             <a:gs pos="0">
               <a:schemeClr val="phClr">
-                <a:satMod val="103000"/>
-                <a:lumMod val="102000"/>
-                <a:tint val="94000"/>
+                <a:tint val="85000"/>
+                <a:shade val="98000"/>
+                <a:satMod val="110000"/>
+                <a:lumMod val="103000"/>
               </a:schemeClr>
             </a:gs>
             <a:gs pos="50000">
               <a:schemeClr val="phClr">
-                <a:satMod val="110000"/>
+                <a:shade val="85000"/>
+                <a:satMod val="105000"/>
                 <a:lumMod val="100000"/>
-                <a:shade val="100000"/>
               </a:schemeClr>
             </a:gs>
             <a:gs pos="100000">
               <a:schemeClr val="phClr">
-                <a:lumMod val="99000"/>
+                <a:shade val="60000"/>
                 <a:satMod val="120000"/>
-                <a:shade val="78000"/>
+                <a:lumMod val="100000"/>
               </a:schemeClr>
             </a:gs>
           </a:gsLst>
@@ -4163,26 +4516,23 @@
         </a:gradFill>
       </a:fillStyleLst>
       <a:lnStyleLst>
-        <a:ln w="6350" cap="flat" cmpd="sng" algn="ctr">
+        <a:ln w="9525" cap="flat" cmpd="sng" algn="ctr">
           <a:solidFill>
             <a:schemeClr val="phClr"/>
           </a:solidFill>
           <a:prstDash val="solid"/>
-          <a:miter lim="800000"/>
         </a:ln>
         <a:ln w="12700" cap="flat" cmpd="sng" algn="ctr">
           <a:solidFill>
             <a:schemeClr val="phClr"/>
           </a:solidFill>
           <a:prstDash val="solid"/>
-          <a:miter lim="800000"/>
         </a:ln>
-        <a:ln w="19050" cap="flat" cmpd="sng" algn="ctr">
+        <a:ln w="25400" cap="flat" cmpd="sng" algn="ctr">
           <a:solidFill>
             <a:schemeClr val="phClr"/>
           </a:solidFill>
           <a:prstDash val="solid"/>
-          <a:miter lim="800000"/>
         </a:ln>
       </a:lnStyleLst>
       <a:effectStyleLst>
@@ -4190,11 +4540,17 @@
           <a:effectLst/>
         </a:effectStyle>
         <a:effectStyle>
-          <a:effectLst/>
+          <a:effectLst>
+            <a:outerShdw blurRad="50800" dist="15875" dir="5400000" algn="ctr" rotWithShape="0">
+              <a:srgbClr val="000000">
+                <a:alpha val="68000"/>
+              </a:srgbClr>
+            </a:outerShdw>
+          </a:effectLst>
         </a:effectStyle>
         <a:effectStyle>
           <a:effectLst>
-            <a:outerShdw blurRad="57150" dist="19050" dir="5400000" algn="ctr" rotWithShape="0">
+            <a:outerShdw blurRad="88900" dist="27940" dir="5400000" algn="ctr" rotWithShape="0">
               <a:srgbClr val="000000">
                 <a:alpha val="63000"/>
               </a:srgbClr>
@@ -4206,34 +4562,31 @@
         <a:solidFill>
           <a:schemeClr val="phClr"/>
         </a:solidFill>
-        <a:solidFill>
-          <a:schemeClr val="phClr">
-            <a:tint val="95000"/>
-            <a:satMod val="170000"/>
-          </a:schemeClr>
-        </a:solidFill>
+        <a:blipFill rotWithShape="1">
+          <a:blip xmlns:r="http://schemas.openxmlformats.org/officeDocument/2006/relationships" r:embed="rId1">
+            <a:duotone>
+              <a:schemeClr val="phClr"/>
+              <a:schemeClr val="phClr">
+                <a:shade val="91000"/>
+                <a:satMod val="105000"/>
+              </a:schemeClr>
+            </a:duotone>
+          </a:blip>
+          <a:tile tx="0" ty="0" sx="100000" sy="100000" flip="none" algn="tl"/>
+        </a:blipFill>
         <a:gradFill rotWithShape="1">
           <a:gsLst>
             <a:gs pos="0">
               <a:schemeClr val="phClr">
-                <a:tint val="93000"/>
-                <a:satMod val="150000"/>
-                <a:shade val="98000"/>
-                <a:lumMod val="102000"/>
-              </a:schemeClr>
-            </a:gs>
-            <a:gs pos="50000">
-              <a:schemeClr val="phClr">
-                <a:tint val="98000"/>
-                <a:satMod val="130000"/>
-                <a:shade val="90000"/>
-                <a:lumMod val="103000"/>
+                <a:tint val="100000"/>
+                <a:shade val="0"/>
+                <a:satMod val="100000"/>
               </a:schemeClr>
             </a:gs>
             <a:gs pos="100000">
               <a:schemeClr val="phClr">
-                <a:shade val="63000"/>
-                <a:satMod val="120000"/>
+                <a:shade val="100000"/>
+                <a:satMod val="100000"/>
               </a:schemeClr>
             </a:gs>
           </a:gsLst>
@@ -4246,7 +4599,7 @@
   <a:extraClrSchemeLst/>
   <a:extLst>
     <a:ext uri="{05A4C25C-085E-4340-85A3-A5531E510DB2}">
-      <thm15:themeFamily xmlns:thm15="http://schemas.microsoft.com/office/thememl/2012/main" name="Office Theme" id="{62F939B6-93AF-4DB8-9C6B-D6C7DFDC589F}" vid="{4A3C46E8-61CC-4603-A589-7422A47A8E4A}"/>
+      <thm15:themeFamily xmlns:thm15="http://schemas.microsoft.com/office/thememl/2012/main" name="Banded" id="{98DFF888-2449-4D28-977C-6306C017633E}" vid="{9792607F-9579-4224-82FF-9C88C3E1E53D}"/>
     </a:ext>
   </a:extLst>
 </a:theme>
